--- a/docs/JDBC-Insights.pptx
+++ b/docs/JDBC-Insights.pptx
@@ -5,7 +5,7 @@
     <p:sldMasterId id="2147483660" r:id="rId4"/>
   </p:sldMasterIdLst>
   <p:notesMasterIdLst>
-    <p:notesMasterId r:id="rId38"/>
+    <p:notesMasterId r:id="rId41"/>
   </p:notesMasterIdLst>
   <p:sldIdLst>
     <p:sldId id="265" r:id="rId5"/>
@@ -37,10 +37,13 @@
     <p:sldId id="299" r:id="rId31"/>
     <p:sldId id="303" r:id="rId32"/>
     <p:sldId id="304" r:id="rId33"/>
-    <p:sldId id="310" r:id="rId34"/>
-    <p:sldId id="313" r:id="rId35"/>
-    <p:sldId id="314" r:id="rId36"/>
-    <p:sldId id="300" r:id="rId37"/>
+    <p:sldId id="320" r:id="rId34"/>
+    <p:sldId id="321" r:id="rId35"/>
+    <p:sldId id="322" r:id="rId36"/>
+    <p:sldId id="310" r:id="rId37"/>
+    <p:sldId id="313" r:id="rId38"/>
+    <p:sldId id="314" r:id="rId39"/>
+    <p:sldId id="300" r:id="rId40"/>
   </p:sldIdLst>
   <p:sldSz cx="12192000" cy="6858000"/>
   <p:notesSz cx="6858000" cy="9144000"/>
@@ -20876,7 +20879,7 @@
           <a:p>
             <a:fld id="{D152E8F3-E7A0-4538-8BFE-6EC1F5EA98BE}" type="datetimeFigureOut">
               <a:rPr lang="en-US" smtClean="0"/>
-              <a:t>2020-11-09</a:t>
+              <a:t>2020-11-10</a:t>
             </a:fld>
             <a:endParaRPr lang="en-US"/>
           </a:p>
@@ -21230,6 +21233,876 @@
 </p:notes>
 </file>
 
+<file path=ppt/notesSlides/notesSlide10.xml><?xml version="1.0" encoding="utf-8"?>
+<p:notes xmlns:a="http://schemas.openxmlformats.org/drawingml/2006/main" xmlns:r="http://schemas.openxmlformats.org/officeDocument/2006/relationships" xmlns:p="http://schemas.openxmlformats.org/presentationml/2006/main">
+  <p:cSld>
+    <p:spTree>
+      <p:nvGrpSpPr>
+        <p:cNvPr id="1" name=""/>
+        <p:cNvGrpSpPr/>
+        <p:nvPr/>
+      </p:nvGrpSpPr>
+      <p:grpSpPr>
+        <a:xfrm>
+          <a:off x="0" y="0"/>
+          <a:ext cx="0" cy="0"/>
+          <a:chOff x="0" y="0"/>
+          <a:chExt cx="0" cy="0"/>
+        </a:xfrm>
+      </p:grpSpPr>
+      <p:sp>
+        <p:nvSpPr>
+          <p:cNvPr id="2" name="Slide Image Placeholder 1"/>
+          <p:cNvSpPr>
+            <a:spLocks noGrp="1" noRot="1" noChangeAspect="1"/>
+          </p:cNvSpPr>
+          <p:nvPr>
+            <p:ph type="sldImg"/>
+          </p:nvPr>
+        </p:nvSpPr>
+        <p:spPr/>
+      </p:sp>
+      <p:sp>
+        <p:nvSpPr>
+          <p:cNvPr id="3" name="Notes Placeholder 2"/>
+          <p:cNvSpPr>
+            <a:spLocks noGrp="1"/>
+          </p:cNvSpPr>
+          <p:nvPr>
+            <p:ph type="body" idx="1"/>
+          </p:nvPr>
+        </p:nvSpPr>
+        <p:spPr/>
+        <p:txBody>
+          <a:bodyPr/>
+          <a:lstStyle/>
+          <a:p>
+            <a:r>
+              <a:rPr lang="en-US" dirty="0"/>
+              <a:t>Show Action</a:t>
+            </a:r>
+          </a:p>
+        </p:txBody>
+      </p:sp>
+      <p:sp>
+        <p:nvSpPr>
+          <p:cNvPr id="4" name="Slide Number Placeholder 3"/>
+          <p:cNvSpPr>
+            <a:spLocks noGrp="1"/>
+          </p:cNvSpPr>
+          <p:nvPr>
+            <p:ph type="sldNum" sz="quarter" idx="5"/>
+          </p:nvPr>
+        </p:nvSpPr>
+        <p:spPr/>
+        <p:txBody>
+          <a:bodyPr/>
+          <a:lstStyle/>
+          <a:p>
+            <a:fld id="{33614900-8670-4A50-A0A7-821DF61D4366}" type="slidenum">
+              <a:rPr lang="en-US" smtClean="0"/>
+              <a:t>18</a:t>
+            </a:fld>
+            <a:endParaRPr lang="en-US"/>
+          </a:p>
+        </p:txBody>
+      </p:sp>
+    </p:spTree>
+    <p:extLst>
+      <p:ext uri="{BB962C8B-B14F-4D97-AF65-F5344CB8AC3E}">
+        <p14:creationId xmlns:p14="http://schemas.microsoft.com/office/powerpoint/2010/main" val="1312768725"/>
+      </p:ext>
+    </p:extLst>
+  </p:cSld>
+  <p:clrMapOvr>
+    <a:masterClrMapping/>
+  </p:clrMapOvr>
+</p:notes>
+</file>
+
+<file path=ppt/notesSlides/notesSlide11.xml><?xml version="1.0" encoding="utf-8"?>
+<p:notes xmlns:a="http://schemas.openxmlformats.org/drawingml/2006/main" xmlns:r="http://schemas.openxmlformats.org/officeDocument/2006/relationships" xmlns:p="http://schemas.openxmlformats.org/presentationml/2006/main">
+  <p:cSld>
+    <p:spTree>
+      <p:nvGrpSpPr>
+        <p:cNvPr id="1" name=""/>
+        <p:cNvGrpSpPr/>
+        <p:nvPr/>
+      </p:nvGrpSpPr>
+      <p:grpSpPr>
+        <a:xfrm>
+          <a:off x="0" y="0"/>
+          <a:ext cx="0" cy="0"/>
+          <a:chOff x="0" y="0"/>
+          <a:chExt cx="0" cy="0"/>
+        </a:xfrm>
+      </p:grpSpPr>
+      <p:sp>
+        <p:nvSpPr>
+          <p:cNvPr id="2" name="Slide Image Placeholder 1"/>
+          <p:cNvSpPr>
+            <a:spLocks noGrp="1" noRot="1" noChangeAspect="1"/>
+          </p:cNvSpPr>
+          <p:nvPr>
+            <p:ph type="sldImg"/>
+          </p:nvPr>
+        </p:nvSpPr>
+        <p:spPr/>
+      </p:sp>
+      <p:sp>
+        <p:nvSpPr>
+          <p:cNvPr id="3" name="Notes Placeholder 2"/>
+          <p:cNvSpPr>
+            <a:spLocks noGrp="1"/>
+          </p:cNvSpPr>
+          <p:nvPr>
+            <p:ph type="body" idx="1"/>
+          </p:nvPr>
+        </p:nvSpPr>
+        <p:spPr/>
+        <p:txBody>
+          <a:bodyPr/>
+          <a:lstStyle/>
+          <a:p>
+            <a:r>
+              <a:rPr lang="en-US" dirty="0"/>
+              <a:t>Show Action</a:t>
+            </a:r>
+          </a:p>
+        </p:txBody>
+      </p:sp>
+      <p:sp>
+        <p:nvSpPr>
+          <p:cNvPr id="4" name="Slide Number Placeholder 3"/>
+          <p:cNvSpPr>
+            <a:spLocks noGrp="1"/>
+          </p:cNvSpPr>
+          <p:nvPr>
+            <p:ph type="sldNum" sz="quarter" idx="5"/>
+          </p:nvPr>
+        </p:nvSpPr>
+        <p:spPr/>
+        <p:txBody>
+          <a:bodyPr/>
+          <a:lstStyle/>
+          <a:p>
+            <a:fld id="{33614900-8670-4A50-A0A7-821DF61D4366}" type="slidenum">
+              <a:rPr lang="en-US" smtClean="0"/>
+              <a:t>19</a:t>
+            </a:fld>
+            <a:endParaRPr lang="en-US"/>
+          </a:p>
+        </p:txBody>
+      </p:sp>
+    </p:spTree>
+    <p:extLst>
+      <p:ext uri="{BB962C8B-B14F-4D97-AF65-F5344CB8AC3E}">
+        <p14:creationId xmlns:p14="http://schemas.microsoft.com/office/powerpoint/2010/main" val="251652488"/>
+      </p:ext>
+    </p:extLst>
+  </p:cSld>
+  <p:clrMapOvr>
+    <a:masterClrMapping/>
+  </p:clrMapOvr>
+</p:notes>
+</file>
+
+<file path=ppt/notesSlides/notesSlide12.xml><?xml version="1.0" encoding="utf-8"?>
+<p:notes xmlns:a="http://schemas.openxmlformats.org/drawingml/2006/main" xmlns:r="http://schemas.openxmlformats.org/officeDocument/2006/relationships" xmlns:p="http://schemas.openxmlformats.org/presentationml/2006/main">
+  <p:cSld>
+    <p:spTree>
+      <p:nvGrpSpPr>
+        <p:cNvPr id="1" name=""/>
+        <p:cNvGrpSpPr/>
+        <p:nvPr/>
+      </p:nvGrpSpPr>
+      <p:grpSpPr>
+        <a:xfrm>
+          <a:off x="0" y="0"/>
+          <a:ext cx="0" cy="0"/>
+          <a:chOff x="0" y="0"/>
+          <a:chExt cx="0" cy="0"/>
+        </a:xfrm>
+      </p:grpSpPr>
+      <p:sp>
+        <p:nvSpPr>
+          <p:cNvPr id="2" name="Slide Image Placeholder 1"/>
+          <p:cNvSpPr>
+            <a:spLocks noGrp="1" noRot="1" noChangeAspect="1"/>
+          </p:cNvSpPr>
+          <p:nvPr>
+            <p:ph type="sldImg"/>
+          </p:nvPr>
+        </p:nvSpPr>
+        <p:spPr/>
+      </p:sp>
+      <p:sp>
+        <p:nvSpPr>
+          <p:cNvPr id="3" name="Notes Placeholder 2"/>
+          <p:cNvSpPr>
+            <a:spLocks noGrp="1"/>
+          </p:cNvSpPr>
+          <p:nvPr>
+            <p:ph type="body" idx="1"/>
+          </p:nvPr>
+        </p:nvSpPr>
+        <p:spPr/>
+        <p:txBody>
+          <a:bodyPr/>
+          <a:lstStyle/>
+          <a:p>
+            <a:r>
+              <a:rPr lang="en-US" dirty="0"/>
+              <a:t>Show Action</a:t>
+            </a:r>
+          </a:p>
+        </p:txBody>
+      </p:sp>
+      <p:sp>
+        <p:nvSpPr>
+          <p:cNvPr id="4" name="Slide Number Placeholder 3"/>
+          <p:cNvSpPr>
+            <a:spLocks noGrp="1"/>
+          </p:cNvSpPr>
+          <p:nvPr>
+            <p:ph type="sldNum" sz="quarter" idx="5"/>
+          </p:nvPr>
+        </p:nvSpPr>
+        <p:spPr/>
+        <p:txBody>
+          <a:bodyPr/>
+          <a:lstStyle/>
+          <a:p>
+            <a:fld id="{33614900-8670-4A50-A0A7-821DF61D4366}" type="slidenum">
+              <a:rPr lang="en-US" smtClean="0"/>
+              <a:t>20</a:t>
+            </a:fld>
+            <a:endParaRPr lang="en-US"/>
+          </a:p>
+        </p:txBody>
+      </p:sp>
+    </p:spTree>
+    <p:extLst>
+      <p:ext uri="{BB962C8B-B14F-4D97-AF65-F5344CB8AC3E}">
+        <p14:creationId xmlns:p14="http://schemas.microsoft.com/office/powerpoint/2010/main" val="3758319262"/>
+      </p:ext>
+    </p:extLst>
+  </p:cSld>
+  <p:clrMapOvr>
+    <a:masterClrMapping/>
+  </p:clrMapOvr>
+</p:notes>
+</file>
+
+<file path=ppt/notesSlides/notesSlide13.xml><?xml version="1.0" encoding="utf-8"?>
+<p:notes xmlns:a="http://schemas.openxmlformats.org/drawingml/2006/main" xmlns:r="http://schemas.openxmlformats.org/officeDocument/2006/relationships" xmlns:p="http://schemas.openxmlformats.org/presentationml/2006/main">
+  <p:cSld>
+    <p:spTree>
+      <p:nvGrpSpPr>
+        <p:cNvPr id="1" name=""/>
+        <p:cNvGrpSpPr/>
+        <p:nvPr/>
+      </p:nvGrpSpPr>
+      <p:grpSpPr>
+        <a:xfrm>
+          <a:off x="0" y="0"/>
+          <a:ext cx="0" cy="0"/>
+          <a:chOff x="0" y="0"/>
+          <a:chExt cx="0" cy="0"/>
+        </a:xfrm>
+      </p:grpSpPr>
+      <p:sp>
+        <p:nvSpPr>
+          <p:cNvPr id="2" name="Slide Image Placeholder 1"/>
+          <p:cNvSpPr>
+            <a:spLocks noGrp="1" noRot="1" noChangeAspect="1"/>
+          </p:cNvSpPr>
+          <p:nvPr>
+            <p:ph type="sldImg"/>
+          </p:nvPr>
+        </p:nvSpPr>
+        <p:spPr/>
+      </p:sp>
+      <p:sp>
+        <p:nvSpPr>
+          <p:cNvPr id="3" name="Notes Placeholder 2"/>
+          <p:cNvSpPr>
+            <a:spLocks noGrp="1"/>
+          </p:cNvSpPr>
+          <p:nvPr>
+            <p:ph type="body" idx="1"/>
+          </p:nvPr>
+        </p:nvSpPr>
+        <p:spPr/>
+        <p:txBody>
+          <a:bodyPr/>
+          <a:lstStyle/>
+          <a:p>
+            <a:r>
+              <a:rPr lang="en-US" dirty="0"/>
+              <a:t>Show Action</a:t>
+            </a:r>
+          </a:p>
+        </p:txBody>
+      </p:sp>
+      <p:sp>
+        <p:nvSpPr>
+          <p:cNvPr id="4" name="Slide Number Placeholder 3"/>
+          <p:cNvSpPr>
+            <a:spLocks noGrp="1"/>
+          </p:cNvSpPr>
+          <p:nvPr>
+            <p:ph type="sldNum" sz="quarter" idx="5"/>
+          </p:nvPr>
+        </p:nvSpPr>
+        <p:spPr/>
+        <p:txBody>
+          <a:bodyPr/>
+          <a:lstStyle/>
+          <a:p>
+            <a:fld id="{33614900-8670-4A50-A0A7-821DF61D4366}" type="slidenum">
+              <a:rPr lang="en-US" smtClean="0"/>
+              <a:t>23</a:t>
+            </a:fld>
+            <a:endParaRPr lang="en-US"/>
+          </a:p>
+        </p:txBody>
+      </p:sp>
+    </p:spTree>
+    <p:extLst>
+      <p:ext uri="{BB962C8B-B14F-4D97-AF65-F5344CB8AC3E}">
+        <p14:creationId xmlns:p14="http://schemas.microsoft.com/office/powerpoint/2010/main" val="295683273"/>
+      </p:ext>
+    </p:extLst>
+  </p:cSld>
+  <p:clrMapOvr>
+    <a:masterClrMapping/>
+  </p:clrMapOvr>
+</p:notes>
+</file>
+
+<file path=ppt/notesSlides/notesSlide14.xml><?xml version="1.0" encoding="utf-8"?>
+<p:notes xmlns:a="http://schemas.openxmlformats.org/drawingml/2006/main" xmlns:r="http://schemas.openxmlformats.org/officeDocument/2006/relationships" xmlns:p="http://schemas.openxmlformats.org/presentationml/2006/main">
+  <p:cSld>
+    <p:spTree>
+      <p:nvGrpSpPr>
+        <p:cNvPr id="1" name=""/>
+        <p:cNvGrpSpPr/>
+        <p:nvPr/>
+      </p:nvGrpSpPr>
+      <p:grpSpPr>
+        <a:xfrm>
+          <a:off x="0" y="0"/>
+          <a:ext cx="0" cy="0"/>
+          <a:chOff x="0" y="0"/>
+          <a:chExt cx="0" cy="0"/>
+        </a:xfrm>
+      </p:grpSpPr>
+      <p:sp>
+        <p:nvSpPr>
+          <p:cNvPr id="2" name="Slide Image Placeholder 1"/>
+          <p:cNvSpPr>
+            <a:spLocks noGrp="1" noRot="1" noChangeAspect="1"/>
+          </p:cNvSpPr>
+          <p:nvPr>
+            <p:ph type="sldImg"/>
+          </p:nvPr>
+        </p:nvSpPr>
+        <p:spPr/>
+      </p:sp>
+      <p:sp>
+        <p:nvSpPr>
+          <p:cNvPr id="3" name="Notes Placeholder 2"/>
+          <p:cNvSpPr>
+            <a:spLocks noGrp="1"/>
+          </p:cNvSpPr>
+          <p:nvPr>
+            <p:ph type="body" idx="1"/>
+          </p:nvPr>
+        </p:nvSpPr>
+        <p:spPr/>
+        <p:txBody>
+          <a:bodyPr/>
+          <a:lstStyle/>
+          <a:p>
+            <a:r>
+              <a:rPr lang="en-US" dirty="0"/>
+              <a:t>Show Action</a:t>
+            </a:r>
+          </a:p>
+        </p:txBody>
+      </p:sp>
+      <p:sp>
+        <p:nvSpPr>
+          <p:cNvPr id="4" name="Slide Number Placeholder 3"/>
+          <p:cNvSpPr>
+            <a:spLocks noGrp="1"/>
+          </p:cNvSpPr>
+          <p:nvPr>
+            <p:ph type="sldNum" sz="quarter" idx="5"/>
+          </p:nvPr>
+        </p:nvSpPr>
+        <p:spPr/>
+        <p:txBody>
+          <a:bodyPr/>
+          <a:lstStyle/>
+          <a:p>
+            <a:fld id="{33614900-8670-4A50-A0A7-821DF61D4366}" type="slidenum">
+              <a:rPr lang="en-US" smtClean="0"/>
+              <a:t>24</a:t>
+            </a:fld>
+            <a:endParaRPr lang="en-US"/>
+          </a:p>
+        </p:txBody>
+      </p:sp>
+    </p:spTree>
+    <p:extLst>
+      <p:ext uri="{BB962C8B-B14F-4D97-AF65-F5344CB8AC3E}">
+        <p14:creationId xmlns:p14="http://schemas.microsoft.com/office/powerpoint/2010/main" val="1738361778"/>
+      </p:ext>
+    </p:extLst>
+  </p:cSld>
+  <p:clrMapOvr>
+    <a:masterClrMapping/>
+  </p:clrMapOvr>
+</p:notes>
+</file>
+
+<file path=ppt/notesSlides/notesSlide15.xml><?xml version="1.0" encoding="utf-8"?>
+<p:notes xmlns:a="http://schemas.openxmlformats.org/drawingml/2006/main" xmlns:r="http://schemas.openxmlformats.org/officeDocument/2006/relationships" xmlns:p="http://schemas.openxmlformats.org/presentationml/2006/main">
+  <p:cSld>
+    <p:spTree>
+      <p:nvGrpSpPr>
+        <p:cNvPr id="1" name=""/>
+        <p:cNvGrpSpPr/>
+        <p:nvPr/>
+      </p:nvGrpSpPr>
+      <p:grpSpPr>
+        <a:xfrm>
+          <a:off x="0" y="0"/>
+          <a:ext cx="0" cy="0"/>
+          <a:chOff x="0" y="0"/>
+          <a:chExt cx="0" cy="0"/>
+        </a:xfrm>
+      </p:grpSpPr>
+      <p:sp>
+        <p:nvSpPr>
+          <p:cNvPr id="2" name="Slide Image Placeholder 1"/>
+          <p:cNvSpPr>
+            <a:spLocks noGrp="1" noRot="1" noChangeAspect="1"/>
+          </p:cNvSpPr>
+          <p:nvPr>
+            <p:ph type="sldImg"/>
+          </p:nvPr>
+        </p:nvSpPr>
+        <p:spPr/>
+      </p:sp>
+      <p:sp>
+        <p:nvSpPr>
+          <p:cNvPr id="3" name="Notes Placeholder 2"/>
+          <p:cNvSpPr>
+            <a:spLocks noGrp="1"/>
+          </p:cNvSpPr>
+          <p:nvPr>
+            <p:ph type="body" idx="1"/>
+          </p:nvPr>
+        </p:nvSpPr>
+        <p:spPr/>
+        <p:txBody>
+          <a:bodyPr/>
+          <a:lstStyle/>
+          <a:p>
+            <a:r>
+              <a:rPr lang="en-US" dirty="0"/>
+              <a:t>Show Action</a:t>
+            </a:r>
+          </a:p>
+        </p:txBody>
+      </p:sp>
+      <p:sp>
+        <p:nvSpPr>
+          <p:cNvPr id="4" name="Slide Number Placeholder 3"/>
+          <p:cNvSpPr>
+            <a:spLocks noGrp="1"/>
+          </p:cNvSpPr>
+          <p:nvPr>
+            <p:ph type="sldNum" sz="quarter" idx="5"/>
+          </p:nvPr>
+        </p:nvSpPr>
+        <p:spPr/>
+        <p:txBody>
+          <a:bodyPr/>
+          <a:lstStyle/>
+          <a:p>
+            <a:fld id="{33614900-8670-4A50-A0A7-821DF61D4366}" type="slidenum">
+              <a:rPr lang="en-US" smtClean="0"/>
+              <a:t>25</a:t>
+            </a:fld>
+            <a:endParaRPr lang="en-US"/>
+          </a:p>
+        </p:txBody>
+      </p:sp>
+    </p:spTree>
+    <p:extLst>
+      <p:ext uri="{BB962C8B-B14F-4D97-AF65-F5344CB8AC3E}">
+        <p14:creationId xmlns:p14="http://schemas.microsoft.com/office/powerpoint/2010/main" val="3580473790"/>
+      </p:ext>
+    </p:extLst>
+  </p:cSld>
+  <p:clrMapOvr>
+    <a:masterClrMapping/>
+  </p:clrMapOvr>
+</p:notes>
+</file>
+
+<file path=ppt/notesSlides/notesSlide16.xml><?xml version="1.0" encoding="utf-8"?>
+<p:notes xmlns:a="http://schemas.openxmlformats.org/drawingml/2006/main" xmlns:r="http://schemas.openxmlformats.org/officeDocument/2006/relationships" xmlns:p="http://schemas.openxmlformats.org/presentationml/2006/main">
+  <p:cSld>
+    <p:spTree>
+      <p:nvGrpSpPr>
+        <p:cNvPr id="1" name=""/>
+        <p:cNvGrpSpPr/>
+        <p:nvPr/>
+      </p:nvGrpSpPr>
+      <p:grpSpPr>
+        <a:xfrm>
+          <a:off x="0" y="0"/>
+          <a:ext cx="0" cy="0"/>
+          <a:chOff x="0" y="0"/>
+          <a:chExt cx="0" cy="0"/>
+        </a:xfrm>
+      </p:grpSpPr>
+      <p:sp>
+        <p:nvSpPr>
+          <p:cNvPr id="2" name="Slide Image Placeholder 1"/>
+          <p:cNvSpPr>
+            <a:spLocks noGrp="1" noRot="1" noChangeAspect="1"/>
+          </p:cNvSpPr>
+          <p:nvPr>
+            <p:ph type="sldImg"/>
+          </p:nvPr>
+        </p:nvSpPr>
+        <p:spPr/>
+      </p:sp>
+      <p:sp>
+        <p:nvSpPr>
+          <p:cNvPr id="3" name="Notes Placeholder 2"/>
+          <p:cNvSpPr>
+            <a:spLocks noGrp="1"/>
+          </p:cNvSpPr>
+          <p:nvPr>
+            <p:ph type="body" idx="1"/>
+          </p:nvPr>
+        </p:nvSpPr>
+        <p:spPr/>
+        <p:txBody>
+          <a:bodyPr/>
+          <a:lstStyle/>
+          <a:p>
+            <a:r>
+              <a:rPr lang="en-US" dirty="0"/>
+              <a:t>Show Action</a:t>
+            </a:r>
+          </a:p>
+        </p:txBody>
+      </p:sp>
+      <p:sp>
+        <p:nvSpPr>
+          <p:cNvPr id="4" name="Slide Number Placeholder 3"/>
+          <p:cNvSpPr>
+            <a:spLocks noGrp="1"/>
+          </p:cNvSpPr>
+          <p:nvPr>
+            <p:ph type="sldNum" sz="quarter" idx="5"/>
+          </p:nvPr>
+        </p:nvSpPr>
+        <p:spPr/>
+        <p:txBody>
+          <a:bodyPr/>
+          <a:lstStyle/>
+          <a:p>
+            <a:fld id="{33614900-8670-4A50-A0A7-821DF61D4366}" type="slidenum">
+              <a:rPr lang="en-US" smtClean="0"/>
+              <a:t>26</a:t>
+            </a:fld>
+            <a:endParaRPr lang="en-US"/>
+          </a:p>
+        </p:txBody>
+      </p:sp>
+    </p:spTree>
+    <p:extLst>
+      <p:ext uri="{BB962C8B-B14F-4D97-AF65-F5344CB8AC3E}">
+        <p14:creationId xmlns:p14="http://schemas.microsoft.com/office/powerpoint/2010/main" val="1672686627"/>
+      </p:ext>
+    </p:extLst>
+  </p:cSld>
+  <p:clrMapOvr>
+    <a:masterClrMapping/>
+  </p:clrMapOvr>
+</p:notes>
+</file>
+
+<file path=ppt/notesSlides/notesSlide17.xml><?xml version="1.0" encoding="utf-8"?>
+<p:notes xmlns:a="http://schemas.openxmlformats.org/drawingml/2006/main" xmlns:r="http://schemas.openxmlformats.org/officeDocument/2006/relationships" xmlns:p="http://schemas.openxmlformats.org/presentationml/2006/main">
+  <p:cSld>
+    <p:spTree>
+      <p:nvGrpSpPr>
+        <p:cNvPr id="1" name=""/>
+        <p:cNvGrpSpPr/>
+        <p:nvPr/>
+      </p:nvGrpSpPr>
+      <p:grpSpPr>
+        <a:xfrm>
+          <a:off x="0" y="0"/>
+          <a:ext cx="0" cy="0"/>
+          <a:chOff x="0" y="0"/>
+          <a:chExt cx="0" cy="0"/>
+        </a:xfrm>
+      </p:grpSpPr>
+      <p:sp>
+        <p:nvSpPr>
+          <p:cNvPr id="2" name="Slide Image Placeholder 1"/>
+          <p:cNvSpPr>
+            <a:spLocks noGrp="1" noRot="1" noChangeAspect="1"/>
+          </p:cNvSpPr>
+          <p:nvPr>
+            <p:ph type="sldImg"/>
+          </p:nvPr>
+        </p:nvSpPr>
+        <p:spPr/>
+      </p:sp>
+      <p:sp>
+        <p:nvSpPr>
+          <p:cNvPr id="3" name="Notes Placeholder 2"/>
+          <p:cNvSpPr>
+            <a:spLocks noGrp="1"/>
+          </p:cNvSpPr>
+          <p:nvPr>
+            <p:ph type="body" idx="1"/>
+          </p:nvPr>
+        </p:nvSpPr>
+        <p:spPr/>
+        <p:txBody>
+          <a:bodyPr/>
+          <a:lstStyle/>
+          <a:p>
+            <a:r>
+              <a:rPr lang="en-US" dirty="0"/>
+              <a:t>Show Action</a:t>
+            </a:r>
+          </a:p>
+        </p:txBody>
+      </p:sp>
+      <p:sp>
+        <p:nvSpPr>
+          <p:cNvPr id="4" name="Slide Number Placeholder 3"/>
+          <p:cNvSpPr>
+            <a:spLocks noGrp="1"/>
+          </p:cNvSpPr>
+          <p:nvPr>
+            <p:ph type="sldNum" sz="quarter" idx="5"/>
+          </p:nvPr>
+        </p:nvSpPr>
+        <p:spPr/>
+        <p:txBody>
+          <a:bodyPr/>
+          <a:lstStyle/>
+          <a:p>
+            <a:fld id="{33614900-8670-4A50-A0A7-821DF61D4366}" type="slidenum">
+              <a:rPr lang="en-US" smtClean="0"/>
+              <a:t>27</a:t>
+            </a:fld>
+            <a:endParaRPr lang="en-US"/>
+          </a:p>
+        </p:txBody>
+      </p:sp>
+    </p:spTree>
+    <p:extLst>
+      <p:ext uri="{BB962C8B-B14F-4D97-AF65-F5344CB8AC3E}">
+        <p14:creationId xmlns:p14="http://schemas.microsoft.com/office/powerpoint/2010/main" val="2777231143"/>
+      </p:ext>
+    </p:extLst>
+  </p:cSld>
+  <p:clrMapOvr>
+    <a:masterClrMapping/>
+  </p:clrMapOvr>
+</p:notes>
+</file>
+
+<file path=ppt/notesSlides/notesSlide18.xml><?xml version="1.0" encoding="utf-8"?>
+<p:notes xmlns:a="http://schemas.openxmlformats.org/drawingml/2006/main" xmlns:r="http://schemas.openxmlformats.org/officeDocument/2006/relationships" xmlns:p="http://schemas.openxmlformats.org/presentationml/2006/main">
+  <p:cSld>
+    <p:spTree>
+      <p:nvGrpSpPr>
+        <p:cNvPr id="1" name=""/>
+        <p:cNvGrpSpPr/>
+        <p:nvPr/>
+      </p:nvGrpSpPr>
+      <p:grpSpPr>
+        <a:xfrm>
+          <a:off x="0" y="0"/>
+          <a:ext cx="0" cy="0"/>
+          <a:chOff x="0" y="0"/>
+          <a:chExt cx="0" cy="0"/>
+        </a:xfrm>
+      </p:grpSpPr>
+      <p:sp>
+        <p:nvSpPr>
+          <p:cNvPr id="2" name="Slide Image Placeholder 1"/>
+          <p:cNvSpPr>
+            <a:spLocks noGrp="1" noRot="1" noChangeAspect="1"/>
+          </p:cNvSpPr>
+          <p:nvPr>
+            <p:ph type="sldImg"/>
+          </p:nvPr>
+        </p:nvSpPr>
+        <p:spPr/>
+      </p:sp>
+      <p:sp>
+        <p:nvSpPr>
+          <p:cNvPr id="3" name="Notes Placeholder 2"/>
+          <p:cNvSpPr>
+            <a:spLocks noGrp="1"/>
+          </p:cNvSpPr>
+          <p:nvPr>
+            <p:ph type="body" idx="1"/>
+          </p:nvPr>
+        </p:nvSpPr>
+        <p:spPr/>
+        <p:txBody>
+          <a:bodyPr/>
+          <a:lstStyle/>
+          <a:p>
+            <a:r>
+              <a:rPr lang="en-US" dirty="0"/>
+              <a:t>Show Action if Required</a:t>
+            </a:r>
+          </a:p>
+        </p:txBody>
+      </p:sp>
+      <p:sp>
+        <p:nvSpPr>
+          <p:cNvPr id="4" name="Slide Number Placeholder 3"/>
+          <p:cNvSpPr>
+            <a:spLocks noGrp="1"/>
+          </p:cNvSpPr>
+          <p:nvPr>
+            <p:ph type="sldNum" sz="quarter" idx="5"/>
+          </p:nvPr>
+        </p:nvSpPr>
+        <p:spPr/>
+        <p:txBody>
+          <a:bodyPr/>
+          <a:lstStyle/>
+          <a:p>
+            <a:fld id="{33614900-8670-4A50-A0A7-821DF61D4366}" type="slidenum">
+              <a:rPr lang="en-US" smtClean="0"/>
+              <a:t>29</a:t>
+            </a:fld>
+            <a:endParaRPr lang="en-US"/>
+          </a:p>
+        </p:txBody>
+      </p:sp>
+    </p:spTree>
+    <p:extLst>
+      <p:ext uri="{BB962C8B-B14F-4D97-AF65-F5344CB8AC3E}">
+        <p14:creationId xmlns:p14="http://schemas.microsoft.com/office/powerpoint/2010/main" val="2459896518"/>
+      </p:ext>
+    </p:extLst>
+  </p:cSld>
+  <p:clrMapOvr>
+    <a:masterClrMapping/>
+  </p:clrMapOvr>
+</p:notes>
+</file>
+
+<file path=ppt/notesSlides/notesSlide19.xml><?xml version="1.0" encoding="utf-8"?>
+<p:notes xmlns:a="http://schemas.openxmlformats.org/drawingml/2006/main" xmlns:r="http://schemas.openxmlformats.org/officeDocument/2006/relationships" xmlns:p="http://schemas.openxmlformats.org/presentationml/2006/main">
+  <p:cSld>
+    <p:spTree>
+      <p:nvGrpSpPr>
+        <p:cNvPr id="1" name=""/>
+        <p:cNvGrpSpPr/>
+        <p:nvPr/>
+      </p:nvGrpSpPr>
+      <p:grpSpPr>
+        <a:xfrm>
+          <a:off x="0" y="0"/>
+          <a:ext cx="0" cy="0"/>
+          <a:chOff x="0" y="0"/>
+          <a:chExt cx="0" cy="0"/>
+        </a:xfrm>
+      </p:grpSpPr>
+      <p:sp>
+        <p:nvSpPr>
+          <p:cNvPr id="2" name="Slide Image Placeholder 1"/>
+          <p:cNvSpPr>
+            <a:spLocks noGrp="1" noRot="1" noChangeAspect="1"/>
+          </p:cNvSpPr>
+          <p:nvPr>
+            <p:ph type="sldImg"/>
+          </p:nvPr>
+        </p:nvSpPr>
+        <p:spPr/>
+      </p:sp>
+      <p:sp>
+        <p:nvSpPr>
+          <p:cNvPr id="3" name="Notes Placeholder 2"/>
+          <p:cNvSpPr>
+            <a:spLocks noGrp="1"/>
+          </p:cNvSpPr>
+          <p:nvPr>
+            <p:ph type="body" idx="1"/>
+          </p:nvPr>
+        </p:nvSpPr>
+        <p:spPr/>
+        <p:txBody>
+          <a:bodyPr/>
+          <a:lstStyle/>
+          <a:p>
+            <a:r>
+              <a:rPr lang="en-US" dirty="0"/>
+              <a:t>Show Action if Required</a:t>
+            </a:r>
+          </a:p>
+        </p:txBody>
+      </p:sp>
+      <p:sp>
+        <p:nvSpPr>
+          <p:cNvPr id="4" name="Slide Number Placeholder 3"/>
+          <p:cNvSpPr>
+            <a:spLocks noGrp="1"/>
+          </p:cNvSpPr>
+          <p:nvPr>
+            <p:ph type="sldNum" sz="quarter" idx="5"/>
+          </p:nvPr>
+        </p:nvSpPr>
+        <p:spPr/>
+        <p:txBody>
+          <a:bodyPr/>
+          <a:lstStyle/>
+          <a:p>
+            <a:fld id="{33614900-8670-4A50-A0A7-821DF61D4366}" type="slidenum">
+              <a:rPr lang="en-US" smtClean="0"/>
+              <a:t>30</a:t>
+            </a:fld>
+            <a:endParaRPr lang="en-US"/>
+          </a:p>
+        </p:txBody>
+      </p:sp>
+    </p:spTree>
+    <p:extLst>
+      <p:ext uri="{BB962C8B-B14F-4D97-AF65-F5344CB8AC3E}">
+        <p14:creationId xmlns:p14="http://schemas.microsoft.com/office/powerpoint/2010/main" val="2453270617"/>
+      </p:ext>
+    </p:extLst>
+  </p:cSld>
+  <p:clrMapOvr>
+    <a:masterClrMapping/>
+  </p:clrMapOvr>
+</p:notes>
+</file>
+
 <file path=ppt/notesSlides/notesSlide2.xml><?xml version="1.0" encoding="utf-8"?>
 <p:notes xmlns:a="http://schemas.openxmlformats.org/drawingml/2006/main" xmlns:r="http://schemas.openxmlformats.org/officeDocument/2006/relationships" xmlns:p="http://schemas.openxmlformats.org/presentationml/2006/main">
   <p:cSld>
@@ -21308,6 +22181,267 @@
     <p:extLst>
       <p:ext uri="{BB962C8B-B14F-4D97-AF65-F5344CB8AC3E}">
         <p14:creationId xmlns:p14="http://schemas.microsoft.com/office/powerpoint/2010/main" val="834595212"/>
+      </p:ext>
+    </p:extLst>
+  </p:cSld>
+  <p:clrMapOvr>
+    <a:masterClrMapping/>
+  </p:clrMapOvr>
+</p:notes>
+</file>
+
+<file path=ppt/notesSlides/notesSlide20.xml><?xml version="1.0" encoding="utf-8"?>
+<p:notes xmlns:a="http://schemas.openxmlformats.org/drawingml/2006/main" xmlns:r="http://schemas.openxmlformats.org/officeDocument/2006/relationships" xmlns:p="http://schemas.openxmlformats.org/presentationml/2006/main">
+  <p:cSld>
+    <p:spTree>
+      <p:nvGrpSpPr>
+        <p:cNvPr id="1" name=""/>
+        <p:cNvGrpSpPr/>
+        <p:nvPr/>
+      </p:nvGrpSpPr>
+      <p:grpSpPr>
+        <a:xfrm>
+          <a:off x="0" y="0"/>
+          <a:ext cx="0" cy="0"/>
+          <a:chOff x="0" y="0"/>
+          <a:chExt cx="0" cy="0"/>
+        </a:xfrm>
+      </p:grpSpPr>
+      <p:sp>
+        <p:nvSpPr>
+          <p:cNvPr id="2" name="Slide Image Placeholder 1"/>
+          <p:cNvSpPr>
+            <a:spLocks noGrp="1" noRot="1" noChangeAspect="1"/>
+          </p:cNvSpPr>
+          <p:nvPr>
+            <p:ph type="sldImg"/>
+          </p:nvPr>
+        </p:nvSpPr>
+        <p:spPr/>
+      </p:sp>
+      <p:sp>
+        <p:nvSpPr>
+          <p:cNvPr id="3" name="Notes Placeholder 2"/>
+          <p:cNvSpPr>
+            <a:spLocks noGrp="1"/>
+          </p:cNvSpPr>
+          <p:nvPr>
+            <p:ph type="body" idx="1"/>
+          </p:nvPr>
+        </p:nvSpPr>
+        <p:spPr/>
+        <p:txBody>
+          <a:bodyPr/>
+          <a:lstStyle/>
+          <a:p>
+            <a:r>
+              <a:rPr lang="en-US" dirty="0"/>
+              <a:t>Show Action if Required</a:t>
+            </a:r>
+          </a:p>
+        </p:txBody>
+      </p:sp>
+      <p:sp>
+        <p:nvSpPr>
+          <p:cNvPr id="4" name="Slide Number Placeholder 3"/>
+          <p:cNvSpPr>
+            <a:spLocks noGrp="1"/>
+          </p:cNvSpPr>
+          <p:nvPr>
+            <p:ph type="sldNum" sz="quarter" idx="5"/>
+          </p:nvPr>
+        </p:nvSpPr>
+        <p:spPr/>
+        <p:txBody>
+          <a:bodyPr/>
+          <a:lstStyle/>
+          <a:p>
+            <a:fld id="{33614900-8670-4A50-A0A7-821DF61D4366}" type="slidenum">
+              <a:rPr lang="en-US" smtClean="0"/>
+              <a:t>31</a:t>
+            </a:fld>
+            <a:endParaRPr lang="en-US"/>
+          </a:p>
+        </p:txBody>
+      </p:sp>
+    </p:spTree>
+    <p:extLst>
+      <p:ext uri="{BB962C8B-B14F-4D97-AF65-F5344CB8AC3E}">
+        <p14:creationId xmlns:p14="http://schemas.microsoft.com/office/powerpoint/2010/main" val="2664648327"/>
+      </p:ext>
+    </p:extLst>
+  </p:cSld>
+  <p:clrMapOvr>
+    <a:masterClrMapping/>
+  </p:clrMapOvr>
+</p:notes>
+</file>
+
+<file path=ppt/notesSlides/notesSlide21.xml><?xml version="1.0" encoding="utf-8"?>
+<p:notes xmlns:a="http://schemas.openxmlformats.org/drawingml/2006/main" xmlns:r="http://schemas.openxmlformats.org/officeDocument/2006/relationships" xmlns:p="http://schemas.openxmlformats.org/presentationml/2006/main">
+  <p:cSld>
+    <p:spTree>
+      <p:nvGrpSpPr>
+        <p:cNvPr id="1" name=""/>
+        <p:cNvGrpSpPr/>
+        <p:nvPr/>
+      </p:nvGrpSpPr>
+      <p:grpSpPr>
+        <a:xfrm>
+          <a:off x="0" y="0"/>
+          <a:ext cx="0" cy="0"/>
+          <a:chOff x="0" y="0"/>
+          <a:chExt cx="0" cy="0"/>
+        </a:xfrm>
+      </p:grpSpPr>
+      <p:sp>
+        <p:nvSpPr>
+          <p:cNvPr id="2" name="Slide Image Placeholder 1"/>
+          <p:cNvSpPr>
+            <a:spLocks noGrp="1" noRot="1" noChangeAspect="1"/>
+          </p:cNvSpPr>
+          <p:nvPr>
+            <p:ph type="sldImg"/>
+          </p:nvPr>
+        </p:nvSpPr>
+        <p:spPr/>
+      </p:sp>
+      <p:sp>
+        <p:nvSpPr>
+          <p:cNvPr id="3" name="Notes Placeholder 2"/>
+          <p:cNvSpPr>
+            <a:spLocks noGrp="1"/>
+          </p:cNvSpPr>
+          <p:nvPr>
+            <p:ph type="body" idx="1"/>
+          </p:nvPr>
+        </p:nvSpPr>
+        <p:spPr/>
+        <p:txBody>
+          <a:bodyPr/>
+          <a:lstStyle/>
+          <a:p>
+            <a:r>
+              <a:rPr lang="en-US" dirty="0"/>
+              <a:t>Show Action if Required</a:t>
+            </a:r>
+          </a:p>
+        </p:txBody>
+      </p:sp>
+      <p:sp>
+        <p:nvSpPr>
+          <p:cNvPr id="4" name="Slide Number Placeholder 3"/>
+          <p:cNvSpPr>
+            <a:spLocks noGrp="1"/>
+          </p:cNvSpPr>
+          <p:nvPr>
+            <p:ph type="sldNum" sz="quarter" idx="5"/>
+          </p:nvPr>
+        </p:nvSpPr>
+        <p:spPr/>
+        <p:txBody>
+          <a:bodyPr/>
+          <a:lstStyle/>
+          <a:p>
+            <a:fld id="{33614900-8670-4A50-A0A7-821DF61D4366}" type="slidenum">
+              <a:rPr lang="en-US" smtClean="0"/>
+              <a:t>32</a:t>
+            </a:fld>
+            <a:endParaRPr lang="en-US"/>
+          </a:p>
+        </p:txBody>
+      </p:sp>
+    </p:spTree>
+    <p:extLst>
+      <p:ext uri="{BB962C8B-B14F-4D97-AF65-F5344CB8AC3E}">
+        <p14:creationId xmlns:p14="http://schemas.microsoft.com/office/powerpoint/2010/main" val="2843838887"/>
+      </p:ext>
+    </p:extLst>
+  </p:cSld>
+  <p:clrMapOvr>
+    <a:masterClrMapping/>
+  </p:clrMapOvr>
+</p:notes>
+</file>
+
+<file path=ppt/notesSlides/notesSlide22.xml><?xml version="1.0" encoding="utf-8"?>
+<p:notes xmlns:a="http://schemas.openxmlformats.org/drawingml/2006/main" xmlns:r="http://schemas.openxmlformats.org/officeDocument/2006/relationships" xmlns:p="http://schemas.openxmlformats.org/presentationml/2006/main">
+  <p:cSld>
+    <p:spTree>
+      <p:nvGrpSpPr>
+        <p:cNvPr id="1" name=""/>
+        <p:cNvGrpSpPr/>
+        <p:nvPr/>
+      </p:nvGrpSpPr>
+      <p:grpSpPr>
+        <a:xfrm>
+          <a:off x="0" y="0"/>
+          <a:ext cx="0" cy="0"/>
+          <a:chOff x="0" y="0"/>
+          <a:chExt cx="0" cy="0"/>
+        </a:xfrm>
+      </p:grpSpPr>
+      <p:sp>
+        <p:nvSpPr>
+          <p:cNvPr id="2" name="Slide Image Placeholder 1"/>
+          <p:cNvSpPr>
+            <a:spLocks noGrp="1" noRot="1" noChangeAspect="1"/>
+          </p:cNvSpPr>
+          <p:nvPr>
+            <p:ph type="sldImg"/>
+          </p:nvPr>
+        </p:nvSpPr>
+        <p:spPr/>
+      </p:sp>
+      <p:sp>
+        <p:nvSpPr>
+          <p:cNvPr id="3" name="Notes Placeholder 2"/>
+          <p:cNvSpPr>
+            <a:spLocks noGrp="1"/>
+          </p:cNvSpPr>
+          <p:nvPr>
+            <p:ph type="body" idx="1"/>
+          </p:nvPr>
+        </p:nvSpPr>
+        <p:spPr/>
+        <p:txBody>
+          <a:bodyPr/>
+          <a:lstStyle/>
+          <a:p>
+            <a:r>
+              <a:rPr lang="en-US" dirty="0"/>
+              <a:t>Show GitHub</a:t>
+            </a:r>
+          </a:p>
+        </p:txBody>
+      </p:sp>
+      <p:sp>
+        <p:nvSpPr>
+          <p:cNvPr id="4" name="Slide Number Placeholder 3"/>
+          <p:cNvSpPr>
+            <a:spLocks noGrp="1"/>
+          </p:cNvSpPr>
+          <p:nvPr>
+            <p:ph type="sldNum" sz="quarter" idx="5"/>
+          </p:nvPr>
+        </p:nvSpPr>
+        <p:spPr/>
+        <p:txBody>
+          <a:bodyPr/>
+          <a:lstStyle/>
+          <a:p>
+            <a:fld id="{33614900-8670-4A50-A0A7-821DF61D4366}" type="slidenum">
+              <a:rPr lang="en-US" smtClean="0"/>
+              <a:t>36</a:t>
+            </a:fld>
+            <a:endParaRPr lang="en-US"/>
+          </a:p>
+        </p:txBody>
+      </p:sp>
+    </p:spTree>
+    <p:extLst>
+      <p:ext uri="{BB962C8B-B14F-4D97-AF65-F5344CB8AC3E}">
+        <p14:creationId xmlns:p14="http://schemas.microsoft.com/office/powerpoint/2010/main" val="2285587768"/>
       </p:ext>
     </p:extLst>
   </p:cSld>
@@ -21363,7 +22497,7 @@
           <a:p>
             <a:r>
               <a:rPr lang="en-US" dirty="0"/>
-              <a:t>Latest SQLite Version is 3.33.0.00</a:t>
+              <a:t>Latest SQLite Version is 3.33.0.00, Show Action</a:t>
             </a:r>
           </a:p>
         </p:txBody>
@@ -21450,7 +22584,7 @@
           <a:p>
             <a:r>
               <a:rPr lang="en-US" dirty="0"/>
-              <a:t>Failed to Close will Create Database Leak and Eventually Server Crash</a:t>
+              <a:t>Show Action</a:t>
             </a:r>
           </a:p>
         </p:txBody>
@@ -21472,7 +22606,7 @@
           <a:p>
             <a:fld id="{33614900-8670-4A50-A0A7-821DF61D4366}" type="slidenum">
               <a:rPr lang="en-US" smtClean="0"/>
-              <a:t>16</a:t>
+              <a:t>10</a:t>
             </a:fld>
             <a:endParaRPr lang="en-US"/>
           </a:p>
@@ -21481,7 +22615,7 @@
     </p:spTree>
     <p:extLst>
       <p:ext uri="{BB962C8B-B14F-4D97-AF65-F5344CB8AC3E}">
-        <p14:creationId xmlns:p14="http://schemas.microsoft.com/office/powerpoint/2010/main" val="3099250804"/>
+        <p14:creationId xmlns:p14="http://schemas.microsoft.com/office/powerpoint/2010/main" val="2620425508"/>
       </p:ext>
     </p:extLst>
   </p:cSld>
@@ -21535,7 +22669,10 @@
           <a:bodyPr/>
           <a:lstStyle/>
           <a:p>
-            <a:endParaRPr lang="en-US"/>
+            <a:r>
+              <a:rPr lang="en-US" dirty="0"/>
+              <a:t>Show Action</a:t>
+            </a:r>
           </a:p>
         </p:txBody>
       </p:sp>
@@ -21556,7 +22693,7 @@
           <a:p>
             <a:fld id="{33614900-8670-4A50-A0A7-821DF61D4366}" type="slidenum">
               <a:rPr lang="en-US" smtClean="0"/>
-              <a:t>33</a:t>
+              <a:t>12</a:t>
             </a:fld>
             <a:endParaRPr lang="en-US"/>
           </a:p>
@@ -21565,7 +22702,355 @@
     </p:spTree>
     <p:extLst>
       <p:ext uri="{BB962C8B-B14F-4D97-AF65-F5344CB8AC3E}">
-        <p14:creationId xmlns:p14="http://schemas.microsoft.com/office/powerpoint/2010/main" val="2285587768"/>
+        <p14:creationId xmlns:p14="http://schemas.microsoft.com/office/powerpoint/2010/main" val="847126497"/>
+      </p:ext>
+    </p:extLst>
+  </p:cSld>
+  <p:clrMapOvr>
+    <a:masterClrMapping/>
+  </p:clrMapOvr>
+</p:notes>
+</file>
+
+<file path=ppt/notesSlides/notesSlide6.xml><?xml version="1.0" encoding="utf-8"?>
+<p:notes xmlns:a="http://schemas.openxmlformats.org/drawingml/2006/main" xmlns:r="http://schemas.openxmlformats.org/officeDocument/2006/relationships" xmlns:p="http://schemas.openxmlformats.org/presentationml/2006/main">
+  <p:cSld>
+    <p:spTree>
+      <p:nvGrpSpPr>
+        <p:cNvPr id="1" name=""/>
+        <p:cNvGrpSpPr/>
+        <p:nvPr/>
+      </p:nvGrpSpPr>
+      <p:grpSpPr>
+        <a:xfrm>
+          <a:off x="0" y="0"/>
+          <a:ext cx="0" cy="0"/>
+          <a:chOff x="0" y="0"/>
+          <a:chExt cx="0" cy="0"/>
+        </a:xfrm>
+      </p:grpSpPr>
+      <p:sp>
+        <p:nvSpPr>
+          <p:cNvPr id="2" name="Slide Image Placeholder 1"/>
+          <p:cNvSpPr>
+            <a:spLocks noGrp="1" noRot="1" noChangeAspect="1"/>
+          </p:cNvSpPr>
+          <p:nvPr>
+            <p:ph type="sldImg"/>
+          </p:nvPr>
+        </p:nvSpPr>
+        <p:spPr/>
+      </p:sp>
+      <p:sp>
+        <p:nvSpPr>
+          <p:cNvPr id="3" name="Notes Placeholder 2"/>
+          <p:cNvSpPr>
+            <a:spLocks noGrp="1"/>
+          </p:cNvSpPr>
+          <p:nvPr>
+            <p:ph type="body" idx="1"/>
+          </p:nvPr>
+        </p:nvSpPr>
+        <p:spPr/>
+        <p:txBody>
+          <a:bodyPr/>
+          <a:lstStyle/>
+          <a:p>
+            <a:r>
+              <a:rPr lang="en-US" dirty="0"/>
+              <a:t>Show Action</a:t>
+            </a:r>
+          </a:p>
+        </p:txBody>
+      </p:sp>
+      <p:sp>
+        <p:nvSpPr>
+          <p:cNvPr id="4" name="Slide Number Placeholder 3"/>
+          <p:cNvSpPr>
+            <a:spLocks noGrp="1"/>
+          </p:cNvSpPr>
+          <p:nvPr>
+            <p:ph type="sldNum" sz="quarter" idx="5"/>
+          </p:nvPr>
+        </p:nvSpPr>
+        <p:spPr/>
+        <p:txBody>
+          <a:bodyPr/>
+          <a:lstStyle/>
+          <a:p>
+            <a:fld id="{33614900-8670-4A50-A0A7-821DF61D4366}" type="slidenum">
+              <a:rPr lang="en-US" smtClean="0"/>
+              <a:t>13</a:t>
+            </a:fld>
+            <a:endParaRPr lang="en-US"/>
+          </a:p>
+        </p:txBody>
+      </p:sp>
+    </p:spTree>
+    <p:extLst>
+      <p:ext uri="{BB962C8B-B14F-4D97-AF65-F5344CB8AC3E}">
+        <p14:creationId xmlns:p14="http://schemas.microsoft.com/office/powerpoint/2010/main" val="1342661239"/>
+      </p:ext>
+    </p:extLst>
+  </p:cSld>
+  <p:clrMapOvr>
+    <a:masterClrMapping/>
+  </p:clrMapOvr>
+</p:notes>
+</file>
+
+<file path=ppt/notesSlides/notesSlide7.xml><?xml version="1.0" encoding="utf-8"?>
+<p:notes xmlns:a="http://schemas.openxmlformats.org/drawingml/2006/main" xmlns:r="http://schemas.openxmlformats.org/officeDocument/2006/relationships" xmlns:p="http://schemas.openxmlformats.org/presentationml/2006/main">
+  <p:cSld>
+    <p:spTree>
+      <p:nvGrpSpPr>
+        <p:cNvPr id="1" name=""/>
+        <p:cNvGrpSpPr/>
+        <p:nvPr/>
+      </p:nvGrpSpPr>
+      <p:grpSpPr>
+        <a:xfrm>
+          <a:off x="0" y="0"/>
+          <a:ext cx="0" cy="0"/>
+          <a:chOff x="0" y="0"/>
+          <a:chExt cx="0" cy="0"/>
+        </a:xfrm>
+      </p:grpSpPr>
+      <p:sp>
+        <p:nvSpPr>
+          <p:cNvPr id="2" name="Slide Image Placeholder 1"/>
+          <p:cNvSpPr>
+            <a:spLocks noGrp="1" noRot="1" noChangeAspect="1"/>
+          </p:cNvSpPr>
+          <p:nvPr>
+            <p:ph type="sldImg"/>
+          </p:nvPr>
+        </p:nvSpPr>
+        <p:spPr/>
+      </p:sp>
+      <p:sp>
+        <p:nvSpPr>
+          <p:cNvPr id="3" name="Notes Placeholder 2"/>
+          <p:cNvSpPr>
+            <a:spLocks noGrp="1"/>
+          </p:cNvSpPr>
+          <p:nvPr>
+            <p:ph type="body" idx="1"/>
+          </p:nvPr>
+        </p:nvSpPr>
+        <p:spPr/>
+        <p:txBody>
+          <a:bodyPr/>
+          <a:lstStyle/>
+          <a:p>
+            <a:r>
+              <a:rPr lang="en-US" dirty="0"/>
+              <a:t>Show Action</a:t>
+            </a:r>
+          </a:p>
+        </p:txBody>
+      </p:sp>
+      <p:sp>
+        <p:nvSpPr>
+          <p:cNvPr id="4" name="Slide Number Placeholder 3"/>
+          <p:cNvSpPr>
+            <a:spLocks noGrp="1"/>
+          </p:cNvSpPr>
+          <p:nvPr>
+            <p:ph type="sldNum" sz="quarter" idx="5"/>
+          </p:nvPr>
+        </p:nvSpPr>
+        <p:spPr/>
+        <p:txBody>
+          <a:bodyPr/>
+          <a:lstStyle/>
+          <a:p>
+            <a:fld id="{33614900-8670-4A50-A0A7-821DF61D4366}" type="slidenum">
+              <a:rPr lang="en-US" smtClean="0"/>
+              <a:t>14</a:t>
+            </a:fld>
+            <a:endParaRPr lang="en-US"/>
+          </a:p>
+        </p:txBody>
+      </p:sp>
+    </p:spTree>
+    <p:extLst>
+      <p:ext uri="{BB962C8B-B14F-4D97-AF65-F5344CB8AC3E}">
+        <p14:creationId xmlns:p14="http://schemas.microsoft.com/office/powerpoint/2010/main" val="991367220"/>
+      </p:ext>
+    </p:extLst>
+  </p:cSld>
+  <p:clrMapOvr>
+    <a:masterClrMapping/>
+  </p:clrMapOvr>
+</p:notes>
+</file>
+
+<file path=ppt/notesSlides/notesSlide8.xml><?xml version="1.0" encoding="utf-8"?>
+<p:notes xmlns:a="http://schemas.openxmlformats.org/drawingml/2006/main" xmlns:r="http://schemas.openxmlformats.org/officeDocument/2006/relationships" xmlns:p="http://schemas.openxmlformats.org/presentationml/2006/main">
+  <p:cSld>
+    <p:spTree>
+      <p:nvGrpSpPr>
+        <p:cNvPr id="1" name=""/>
+        <p:cNvGrpSpPr/>
+        <p:nvPr/>
+      </p:nvGrpSpPr>
+      <p:grpSpPr>
+        <a:xfrm>
+          <a:off x="0" y="0"/>
+          <a:ext cx="0" cy="0"/>
+          <a:chOff x="0" y="0"/>
+          <a:chExt cx="0" cy="0"/>
+        </a:xfrm>
+      </p:grpSpPr>
+      <p:sp>
+        <p:nvSpPr>
+          <p:cNvPr id="2" name="Slide Image Placeholder 1"/>
+          <p:cNvSpPr>
+            <a:spLocks noGrp="1" noRot="1" noChangeAspect="1"/>
+          </p:cNvSpPr>
+          <p:nvPr>
+            <p:ph type="sldImg"/>
+          </p:nvPr>
+        </p:nvSpPr>
+        <p:spPr/>
+      </p:sp>
+      <p:sp>
+        <p:nvSpPr>
+          <p:cNvPr id="3" name="Notes Placeholder 2"/>
+          <p:cNvSpPr>
+            <a:spLocks noGrp="1"/>
+          </p:cNvSpPr>
+          <p:nvPr>
+            <p:ph type="body" idx="1"/>
+          </p:nvPr>
+        </p:nvSpPr>
+        <p:spPr/>
+        <p:txBody>
+          <a:bodyPr/>
+          <a:lstStyle/>
+          <a:p>
+            <a:r>
+              <a:rPr lang="en-US" dirty="0"/>
+              <a:t>Show Action</a:t>
+            </a:r>
+          </a:p>
+        </p:txBody>
+      </p:sp>
+      <p:sp>
+        <p:nvSpPr>
+          <p:cNvPr id="4" name="Slide Number Placeholder 3"/>
+          <p:cNvSpPr>
+            <a:spLocks noGrp="1"/>
+          </p:cNvSpPr>
+          <p:nvPr>
+            <p:ph type="sldNum" sz="quarter" idx="5"/>
+          </p:nvPr>
+        </p:nvSpPr>
+        <p:spPr/>
+        <p:txBody>
+          <a:bodyPr/>
+          <a:lstStyle/>
+          <a:p>
+            <a:fld id="{33614900-8670-4A50-A0A7-821DF61D4366}" type="slidenum">
+              <a:rPr lang="en-US" smtClean="0"/>
+              <a:t>15</a:t>
+            </a:fld>
+            <a:endParaRPr lang="en-US"/>
+          </a:p>
+        </p:txBody>
+      </p:sp>
+    </p:spTree>
+    <p:extLst>
+      <p:ext uri="{BB962C8B-B14F-4D97-AF65-F5344CB8AC3E}">
+        <p14:creationId xmlns:p14="http://schemas.microsoft.com/office/powerpoint/2010/main" val="1488901844"/>
+      </p:ext>
+    </p:extLst>
+  </p:cSld>
+  <p:clrMapOvr>
+    <a:masterClrMapping/>
+  </p:clrMapOvr>
+</p:notes>
+</file>
+
+<file path=ppt/notesSlides/notesSlide9.xml><?xml version="1.0" encoding="utf-8"?>
+<p:notes xmlns:a="http://schemas.openxmlformats.org/drawingml/2006/main" xmlns:r="http://schemas.openxmlformats.org/officeDocument/2006/relationships" xmlns:p="http://schemas.openxmlformats.org/presentationml/2006/main">
+  <p:cSld>
+    <p:spTree>
+      <p:nvGrpSpPr>
+        <p:cNvPr id="1" name=""/>
+        <p:cNvGrpSpPr/>
+        <p:nvPr/>
+      </p:nvGrpSpPr>
+      <p:grpSpPr>
+        <a:xfrm>
+          <a:off x="0" y="0"/>
+          <a:ext cx="0" cy="0"/>
+          <a:chOff x="0" y="0"/>
+          <a:chExt cx="0" cy="0"/>
+        </a:xfrm>
+      </p:grpSpPr>
+      <p:sp>
+        <p:nvSpPr>
+          <p:cNvPr id="2" name="Slide Image Placeholder 1"/>
+          <p:cNvSpPr>
+            <a:spLocks noGrp="1" noRot="1" noChangeAspect="1"/>
+          </p:cNvSpPr>
+          <p:nvPr>
+            <p:ph type="sldImg"/>
+          </p:nvPr>
+        </p:nvSpPr>
+        <p:spPr/>
+      </p:sp>
+      <p:sp>
+        <p:nvSpPr>
+          <p:cNvPr id="3" name="Notes Placeholder 2"/>
+          <p:cNvSpPr>
+            <a:spLocks noGrp="1"/>
+          </p:cNvSpPr>
+          <p:nvPr>
+            <p:ph type="body" idx="1"/>
+          </p:nvPr>
+        </p:nvSpPr>
+        <p:spPr/>
+        <p:txBody>
+          <a:bodyPr/>
+          <a:lstStyle/>
+          <a:p>
+            <a:r>
+              <a:rPr lang="en-US" dirty="0"/>
+              <a:t>Failed to Close will Create Database Leak and Eventually Server Crash, Show Action</a:t>
+            </a:r>
+          </a:p>
+        </p:txBody>
+      </p:sp>
+      <p:sp>
+        <p:nvSpPr>
+          <p:cNvPr id="4" name="Slide Number Placeholder 3"/>
+          <p:cNvSpPr>
+            <a:spLocks noGrp="1"/>
+          </p:cNvSpPr>
+          <p:nvPr>
+            <p:ph type="sldNum" sz="quarter" idx="5"/>
+          </p:nvPr>
+        </p:nvSpPr>
+        <p:spPr/>
+        <p:txBody>
+          <a:bodyPr/>
+          <a:lstStyle/>
+          <a:p>
+            <a:fld id="{33614900-8670-4A50-A0A7-821DF61D4366}" type="slidenum">
+              <a:rPr lang="en-US" smtClean="0"/>
+              <a:t>16</a:t>
+            </a:fld>
+            <a:endParaRPr lang="en-US"/>
+          </a:p>
+        </p:txBody>
+      </p:sp>
+    </p:spTree>
+    <p:extLst>
+      <p:ext uri="{BB962C8B-B14F-4D97-AF65-F5344CB8AC3E}">
+        <p14:creationId xmlns:p14="http://schemas.microsoft.com/office/powerpoint/2010/main" val="3099250804"/>
       </p:ext>
     </p:extLst>
   </p:cSld>
@@ -21819,7 +23304,7 @@
           <a:p>
             <a:fld id="{9184DA70-C731-4C70-880D-CCD4705E623C}" type="datetime1">
               <a:rPr lang="en-US" smtClean="0"/>
-              <a:t>2020-11-09</a:t>
+              <a:t>2020-11-10</a:t>
             </a:fld>
             <a:endParaRPr lang="en-US" dirty="0"/>
           </a:p>
@@ -22007,7 +23492,7 @@
           <a:p>
             <a:fld id="{4BE1D723-8F53-4F53-90B0-1982A396982E}" type="datetime1">
               <a:rPr lang="en-US" smtClean="0"/>
-              <a:t>2020-11-09</a:t>
+              <a:t>2020-11-10</a:t>
             </a:fld>
             <a:endParaRPr lang="en-US" dirty="0"/>
           </a:p>
@@ -22380,7 +23865,7 @@
           <a:p>
             <a:fld id="{97669AF7-7BEB-44E4-9852-375E34362B5B}" type="datetime1">
               <a:rPr lang="en-US" smtClean="0"/>
-              <a:t>2020-11-09</a:t>
+              <a:t>2020-11-10</a:t>
             </a:fld>
             <a:endParaRPr lang="en-US" dirty="0"/>
           </a:p>
@@ -22635,7 +24120,7 @@
           <a:p>
             <a:fld id="{BAAAC38D-0552-4C82-B593-E6124DFADBE2}" type="datetime1">
               <a:rPr lang="en-US" smtClean="0"/>
-              <a:t>2020-11-09</a:t>
+              <a:t>2020-11-10</a:t>
             </a:fld>
             <a:endParaRPr lang="en-US" dirty="0"/>
           </a:p>
@@ -23032,7 +24517,7 @@
           <a:p>
             <a:fld id="{D9DF0F1C-5577-4ACB-BB62-DF8F3C494C7E}" type="datetime1">
               <a:rPr lang="en-US" smtClean="0"/>
-              <a:t>2020-11-09</a:t>
+              <a:t>2020-11-10</a:t>
             </a:fld>
             <a:endParaRPr lang="en-US" dirty="0"/>
           </a:p>
@@ -23168,7 +24653,7 @@
           <a:p>
             <a:fld id="{1775B394-D9F9-4F0C-B15D-605F45CB9E9F}" type="datetime1">
               <a:rPr lang="en-US" smtClean="0"/>
-              <a:t>2020-11-09</a:t>
+              <a:t>2020-11-10</a:t>
             </a:fld>
             <a:endParaRPr lang="en-US" dirty="0"/>
           </a:p>
@@ -23325,7 +24810,7 @@
           <a:p>
             <a:fld id="{39667345-2558-425A-8533-9BFDBCE15005}" type="datetime1">
               <a:rPr lang="en-US" smtClean="0"/>
-              <a:t>2020-11-09</a:t>
+              <a:t>2020-11-10</a:t>
             </a:fld>
             <a:endParaRPr lang="en-US" dirty="0"/>
           </a:p>
@@ -23654,7 +25139,7 @@
           <a:p>
             <a:fld id="{92BEA474-078D-4E9B-9B14-09A87B19DC46}" type="datetime1">
               <a:rPr lang="en-US" smtClean="0"/>
-              <a:t>2020-11-09</a:t>
+              <a:t>2020-11-10</a:t>
             </a:fld>
             <a:endParaRPr lang="en-US" dirty="0"/>
           </a:p>
@@ -24004,7 +25489,7 @@
           <a:p>
             <a:fld id="{4907D986-8816-4272-A432-0437A28A9828}" type="datetime1">
               <a:rPr lang="en-US" smtClean="0"/>
-              <a:t>2020-11-09</a:t>
+              <a:t>2020-11-10</a:t>
             </a:fld>
             <a:endParaRPr lang="en-US" dirty="0"/>
           </a:p>
@@ -24265,7 +25750,7 @@
           <a:p>
             <a:fld id="{62D6E202-B606-4609-B914-27C9371A1F6D}" type="datetime1">
               <a:rPr lang="en-US" smtClean="0"/>
-              <a:t>2020-11-09</a:t>
+              <a:t>2020-11-10</a:t>
             </a:fld>
             <a:endParaRPr lang="en-US" dirty="0"/>
           </a:p>
@@ -33459,7 +34944,7 @@
                 </a:solidFill>
                 <a:effectLst/>
                 <a:latin typeface="Arial" panose="020B0604020202020204" pitchFamily="34" charset="0"/>
-                <a:hlinkClick r:id="rId2" tooltip="Database management system"/>
+                <a:hlinkClick r:id="rId3" tooltip="Database management system"/>
               </a:rPr>
               <a:t>database management system</a:t>
             </a:r>
@@ -34293,7 +35778,7 @@
                 </a:solidFill>
                 <a:effectLst/>
                 <a:latin typeface="raleway"/>
-                <a:hlinkClick r:id="rId2"/>
+                <a:hlinkClick r:id="rId3"/>
               </a:rPr>
               <a:t>TCP socket</a:t>
             </a:r>
@@ -34568,7 +36053,7 @@
           <p:nvPr/>
         </p:nvPicPr>
         <p:blipFill>
-          <a:blip r:embed="rId3"/>
+          <a:blip r:embed="rId4"/>
           <a:stretch>
             <a:fillRect/>
           </a:stretch>
@@ -34835,8 +36320,8 @@
         </p:nvSpPr>
         <p:spPr>
           <a:xfrm>
-            <a:off x="397565" y="954157"/>
-            <a:ext cx="6907696" cy="3046988"/>
+            <a:off x="487017" y="1082605"/>
+            <a:ext cx="6907696" cy="3416320"/>
           </a:xfrm>
           <a:prstGeom prst="rect">
             <a:avLst/>
@@ -35063,6 +36548,24 @@
                 </a:solidFill>
               </a:rPr>
               <a:t>Spring JPA</a:t>
+            </a:r>
+          </a:p>
+          <a:p>
+            <a:pPr marL="285750" indent="-285750">
+              <a:buFont typeface="Arial" panose="020B0604020202020204" pitchFamily="34" charset="0"/>
+              <a:buChar char="•"/>
+            </a:pPr>
+            <a:r>
+              <a:rPr lang="en-US" sz="2400" dirty="0"/>
+              <a:t>Introduction to </a:t>
+            </a:r>
+            <a:r>
+              <a:rPr lang="en-US" sz="2400" dirty="0">
+                <a:solidFill>
+                  <a:srgbClr val="00B050"/>
+                </a:solidFill>
+              </a:rPr>
+              <a:t>Database Trigger</a:t>
             </a:r>
           </a:p>
           <a:p>
@@ -40515,7 +42018,7 @@
                 </a:solidFill>
                 <a:effectLst/>
                 <a:latin typeface="Arial" panose="020B0604020202020204" pitchFamily="34" charset="0"/>
-                <a:hlinkClick r:id="rId2" tooltip="wikipedia:Java Persistence API"/>
+                <a:hlinkClick r:id="rId3" tooltip="wikipedia:Java Persistence API"/>
               </a:rPr>
               <a:t>JPA</a:t>
             </a:r>
@@ -40576,7 +42079,7 @@
                 </a:solidFill>
                 <a:effectLst/>
                 <a:latin typeface="Arial" panose="020B0604020202020204" pitchFamily="34" charset="0"/>
-                <a:hlinkClick r:id="rId3" tooltip="wikipedia:POJO"/>
+                <a:hlinkClick r:id="rId4" tooltip="wikipedia:POJO"/>
               </a:rPr>
               <a:t>POJO</a:t>
             </a:r>
@@ -40618,7 +42121,7 @@
                 </a:solidFill>
                 <a:effectLst/>
                 <a:latin typeface="Arial" panose="020B0604020202020204" pitchFamily="34" charset="0"/>
-                <a:hlinkClick r:id="rId4" tooltip="JavaBean"/>
+                <a:hlinkClick r:id="rId5" tooltip="JavaBean"/>
               </a:rPr>
               <a:t>JavaBean</a:t>
             </a:r>
@@ -40639,7 +42142,7 @@
                 </a:solidFill>
                 <a:effectLst/>
                 <a:latin typeface="Arial" panose="020B0604020202020204" pitchFamily="34" charset="0"/>
-                <a:hlinkClick r:id="rId5" tooltip="Serialization"/>
+                <a:hlinkClick r:id="rId6" tooltip="Serialization"/>
               </a:rPr>
               <a:t>serializable</a:t>
             </a:r>
@@ -40660,7 +42163,7 @@
                 </a:solidFill>
                 <a:effectLst/>
                 <a:latin typeface="Arial" panose="020B0604020202020204" pitchFamily="34" charset="0"/>
-                <a:hlinkClick r:id="rId6" tooltip="Constructor (computer science)"/>
+                <a:hlinkClick r:id="rId7" tooltip="Constructor (computer science)"/>
               </a:rPr>
               <a:t>constructor</a:t>
             </a:r>
@@ -40681,7 +42184,7 @@
                 </a:solidFill>
                 <a:effectLst/>
                 <a:latin typeface="Arial" panose="020B0604020202020204" pitchFamily="34" charset="0"/>
-                <a:hlinkClick r:id="rId7" tooltip="Mutator method"/>
+                <a:hlinkClick r:id="rId8" tooltip="Mutator method"/>
               </a:rPr>
               <a:t>getter and setter methods</a:t>
             </a:r>
@@ -44394,6 +45897,2821 @@
 </file>
 
 <file path=ppt/slides/slide30.xml><?xml version="1.0" encoding="utf-8"?>
+<p:sld xmlns:a="http://schemas.openxmlformats.org/drawingml/2006/main" xmlns:r="http://schemas.openxmlformats.org/officeDocument/2006/relationships" xmlns:p="http://schemas.openxmlformats.org/presentationml/2006/main">
+  <p:cSld>
+    <p:bg>
+      <p:bgPr>
+        <a:solidFill>
+          <a:schemeClr val="bg1"/>
+        </a:solidFill>
+        <a:effectLst/>
+      </p:bgPr>
+    </p:bg>
+    <p:spTree>
+      <p:nvGrpSpPr>
+        <p:cNvPr id="1" name=""/>
+        <p:cNvGrpSpPr/>
+        <p:nvPr/>
+      </p:nvGrpSpPr>
+      <p:grpSpPr>
+        <a:xfrm>
+          <a:off x="0" y="0"/>
+          <a:ext cx="0" cy="0"/>
+          <a:chOff x="0" y="0"/>
+          <a:chExt cx="0" cy="0"/>
+        </a:xfrm>
+      </p:grpSpPr>
+      <p:sp useBgFill="1">
+        <p:nvSpPr>
+          <p:cNvPr id="10" name="Rectangle 9">
+            <a:extLst>
+              <a:ext uri="{FF2B5EF4-FFF2-40B4-BE49-F238E27FC236}">
+                <a16:creationId xmlns:a16="http://schemas.microsoft.com/office/drawing/2014/main" id="{EE1530B0-6F96-46C0-8B3E-3215CB756BE4}"/>
+              </a:ext>
+              <a:ext uri="{C183D7F6-B498-43B3-948B-1728B52AA6E4}">
+                <adec:decorative xmlns:adec="http://schemas.microsoft.com/office/drawing/2017/decorative" val="1"/>
+              </a:ext>
+            </a:extLst>
+          </p:cNvPr>
+          <p:cNvSpPr>
+            <a:spLocks noGrp="1" noRot="1" noChangeAspect="1" noMove="1" noResize="1" noEditPoints="1" noAdjustHandles="1" noChangeArrowheads="1" noChangeShapeType="1" noTextEdit="1"/>
+          </p:cNvSpPr>
+          <p:nvPr>
+            <p:extLst>
+              <p:ext uri="{386F3935-93C4-4BCD-93E2-E3B085C9AB24}">
+                <p16:designElem xmlns:p16="http://schemas.microsoft.com/office/powerpoint/2015/main" val="1"/>
+              </p:ext>
+            </p:extLst>
+          </p:nvPr>
+        </p:nvSpPr>
+        <p:spPr>
+          <a:xfrm>
+            <a:off x="5685" y="0"/>
+            <a:ext cx="12186315" cy="6858000"/>
+          </a:xfrm>
+          <a:prstGeom prst="rect">
+            <a:avLst/>
+          </a:prstGeom>
+          <a:ln>
+            <a:noFill/>
+          </a:ln>
+        </p:spPr>
+        <p:style>
+          <a:lnRef idx="2">
+            <a:schemeClr val="accent6">
+              <a:shade val="50000"/>
+            </a:schemeClr>
+          </a:lnRef>
+          <a:fillRef idx="1001">
+            <a:schemeClr val="lt1"/>
+          </a:fillRef>
+          <a:effectRef idx="0">
+            <a:schemeClr val="accent6"/>
+          </a:effectRef>
+          <a:fontRef idx="minor">
+            <a:schemeClr val="lt1"/>
+          </a:fontRef>
+        </p:style>
+        <p:txBody>
+          <a:bodyPr rtlCol="0" anchor="ctr"/>
+          <a:lstStyle/>
+          <a:p>
+            <a:pPr marL="0" marR="0" lvl="0" indent="0" algn="ctr" defTabSz="914400" rtl="0" eaLnBrk="1" fontAlgn="auto" latinLnBrk="0" hangingPunct="1">
+              <a:lnSpc>
+                <a:spcPct val="100000"/>
+              </a:lnSpc>
+              <a:spcBef>
+                <a:spcPts val="0"/>
+              </a:spcBef>
+              <a:spcAft>
+                <a:spcPts val="0"/>
+              </a:spcAft>
+              <a:buClrTx/>
+              <a:buSzTx/>
+              <a:buFontTx/>
+              <a:buNone/>
+              <a:tabLst/>
+              <a:defRPr/>
+            </a:pPr>
+            <a:endParaRPr kumimoji="0" lang="en-US" sz="1800" b="0" i="0" u="none" strike="noStrike" kern="1200" cap="none" spc="0" normalizeH="0" baseline="0" noProof="0" dirty="0">
+              <a:ln>
+                <a:noFill/>
+              </a:ln>
+              <a:solidFill>
+                <a:prstClr val="white"/>
+              </a:solidFill>
+              <a:effectLst/>
+              <a:uLnTx/>
+              <a:uFillTx/>
+              <a:latin typeface="Franklin Gothic Book" panose="020F0502020204030204"/>
+              <a:ea typeface="+mn-ea"/>
+              <a:cs typeface="+mn-cs"/>
+            </a:endParaRPr>
+          </a:p>
+        </p:txBody>
+      </p:sp>
+      <p:sp>
+        <p:nvSpPr>
+          <p:cNvPr id="12" name="Rectangle 11">
+            <a:extLst>
+              <a:ext uri="{FF2B5EF4-FFF2-40B4-BE49-F238E27FC236}">
+                <a16:creationId xmlns:a16="http://schemas.microsoft.com/office/drawing/2014/main" id="{754910CF-1B56-45D3-960A-E89F7B3B9131}"/>
+              </a:ext>
+              <a:ext uri="{C183D7F6-B498-43B3-948B-1728B52AA6E4}">
+                <adec:decorative xmlns:adec="http://schemas.microsoft.com/office/drawing/2017/decorative" val="1"/>
+              </a:ext>
+            </a:extLst>
+          </p:cNvPr>
+          <p:cNvSpPr>
+            <a:spLocks noGrp="1" noRot="1" noChangeAspect="1" noMove="1" noResize="1" noEditPoints="1" noAdjustHandles="1" noChangeArrowheads="1" noChangeShapeType="1" noTextEdit="1"/>
+          </p:cNvSpPr>
+          <p:nvPr>
+            <p:extLst>
+              <p:ext uri="{386F3935-93C4-4BCD-93E2-E3B085C9AB24}">
+                <p16:designElem xmlns:p16="http://schemas.microsoft.com/office/powerpoint/2015/main" val="1"/>
+              </p:ext>
+            </p:extLst>
+          </p:nvPr>
+        </p:nvSpPr>
+        <p:spPr>
+          <a:xfrm>
+            <a:off x="16" y="0"/>
+            <a:ext cx="4050791" cy="6858000"/>
+          </a:xfrm>
+          <a:prstGeom prst="rect">
+            <a:avLst/>
+          </a:prstGeom>
+          <a:solidFill>
+            <a:schemeClr val="tx1">
+              <a:lumMod val="85000"/>
+              <a:lumOff val="15000"/>
+            </a:schemeClr>
+          </a:solidFill>
+          <a:ln>
+            <a:noFill/>
+          </a:ln>
+        </p:spPr>
+        <p:style>
+          <a:lnRef idx="2">
+            <a:schemeClr val="accent1">
+              <a:shade val="50000"/>
+            </a:schemeClr>
+          </a:lnRef>
+          <a:fillRef idx="1">
+            <a:schemeClr val="accent1"/>
+          </a:fillRef>
+          <a:effectRef idx="0">
+            <a:schemeClr val="accent1"/>
+          </a:effectRef>
+          <a:fontRef idx="minor">
+            <a:schemeClr val="lt1"/>
+          </a:fontRef>
+        </p:style>
+      </p:sp>
+      <p:sp>
+        <p:nvSpPr>
+          <p:cNvPr id="2" name="Title 1">
+            <a:extLst>
+              <a:ext uri="{FF2B5EF4-FFF2-40B4-BE49-F238E27FC236}">
+                <a16:creationId xmlns:a16="http://schemas.microsoft.com/office/drawing/2014/main" id="{0AE422CB-EBC9-4703-870C-8981A495893A}"/>
+              </a:ext>
+            </a:extLst>
+          </p:cNvPr>
+          <p:cNvSpPr>
+            <a:spLocks noGrp="1"/>
+          </p:cNvSpPr>
+          <p:nvPr>
+            <p:ph type="title"/>
+          </p:nvPr>
+        </p:nvSpPr>
+        <p:spPr>
+          <a:xfrm>
+            <a:off x="492370" y="516835"/>
+            <a:ext cx="3084844" cy="5772840"/>
+          </a:xfrm>
+        </p:spPr>
+        <p:txBody>
+          <a:bodyPr anchor="ctr">
+            <a:normAutofit/>
+          </a:bodyPr>
+          <a:lstStyle/>
+          <a:p>
+            <a:r>
+              <a:rPr lang="en-US" sz="3600" dirty="0">
+                <a:solidFill>
+                  <a:schemeClr val="bg1"/>
+                </a:solidFill>
+              </a:rPr>
+              <a:t>Introduction to Triggers</a:t>
+            </a:r>
+            <a:endParaRPr lang="en-US" sz="2400" dirty="0">
+              <a:solidFill>
+                <a:schemeClr val="bg1"/>
+              </a:solidFill>
+            </a:endParaRPr>
+          </a:p>
+        </p:txBody>
+      </p:sp>
+      <p:sp>
+        <p:nvSpPr>
+          <p:cNvPr id="7" name="TextBox 6">
+            <a:extLst>
+              <a:ext uri="{FF2B5EF4-FFF2-40B4-BE49-F238E27FC236}">
+                <a16:creationId xmlns:a16="http://schemas.microsoft.com/office/drawing/2014/main" id="{BFB26191-3737-4634-AC06-BA7B8215028A}"/>
+              </a:ext>
+            </a:extLst>
+          </p:cNvPr>
+          <p:cNvSpPr txBox="1"/>
+          <p:nvPr/>
+        </p:nvSpPr>
+        <p:spPr>
+          <a:xfrm>
+            <a:off x="4204252" y="1288919"/>
+            <a:ext cx="7841973" cy="3693319"/>
+          </a:xfrm>
+          <a:prstGeom prst="rect">
+            <a:avLst/>
+          </a:prstGeom>
+          <a:noFill/>
+        </p:spPr>
+        <p:txBody>
+          <a:bodyPr wrap="square">
+            <a:spAutoFit/>
+          </a:bodyPr>
+          <a:lstStyle/>
+          <a:p>
+            <a:r>
+              <a:rPr lang="en-US" b="0" i="0" dirty="0">
+                <a:solidFill>
+                  <a:srgbClr val="222222"/>
+                </a:solidFill>
+                <a:effectLst/>
+                <a:latin typeface="arial" panose="020B0604020202020204" pitchFamily="34" charset="0"/>
+              </a:rPr>
+              <a:t>A </a:t>
+            </a:r>
+            <a:r>
+              <a:rPr lang="en-US" b="1" i="0" dirty="0">
+                <a:solidFill>
+                  <a:srgbClr val="222222"/>
+                </a:solidFill>
+                <a:effectLst/>
+                <a:latin typeface="arial" panose="020B0604020202020204" pitchFamily="34" charset="0"/>
+              </a:rPr>
+              <a:t>database trigger</a:t>
+            </a:r>
+            <a:r>
+              <a:rPr lang="en-US" b="0" i="0" dirty="0">
+                <a:solidFill>
+                  <a:srgbClr val="222222"/>
+                </a:solidFill>
+                <a:effectLst/>
+                <a:latin typeface="arial" panose="020B0604020202020204" pitchFamily="34" charset="0"/>
+              </a:rPr>
+              <a:t> is procedural code that is automatically executed in response to certain events on a particular table or view in a </a:t>
+            </a:r>
+            <a:r>
+              <a:rPr lang="en-US" b="1" i="0" dirty="0">
+                <a:solidFill>
+                  <a:srgbClr val="222222"/>
+                </a:solidFill>
+                <a:effectLst/>
+                <a:latin typeface="arial" panose="020B0604020202020204" pitchFamily="34" charset="0"/>
+              </a:rPr>
+              <a:t>database</a:t>
+            </a:r>
+            <a:r>
+              <a:rPr lang="en-US" b="0" i="0" dirty="0">
+                <a:solidFill>
+                  <a:srgbClr val="222222"/>
+                </a:solidFill>
+                <a:effectLst/>
+                <a:latin typeface="arial" panose="020B0604020202020204" pitchFamily="34" charset="0"/>
+              </a:rPr>
+              <a:t>. The </a:t>
+            </a:r>
+            <a:r>
+              <a:rPr lang="en-US" b="1" i="0" dirty="0">
+                <a:solidFill>
+                  <a:srgbClr val="222222"/>
+                </a:solidFill>
+                <a:effectLst/>
+                <a:latin typeface="arial" panose="020B0604020202020204" pitchFamily="34" charset="0"/>
+              </a:rPr>
+              <a:t>trigger</a:t>
+            </a:r>
+            <a:r>
+              <a:rPr lang="en-US" b="0" i="0" dirty="0">
+                <a:solidFill>
+                  <a:srgbClr val="222222"/>
+                </a:solidFill>
+                <a:effectLst/>
+                <a:latin typeface="arial" panose="020B0604020202020204" pitchFamily="34" charset="0"/>
+              </a:rPr>
+              <a:t> is mostly used for maintaining the integrity of the information on the </a:t>
+            </a:r>
+            <a:r>
+              <a:rPr lang="en-US" b="1" i="0" dirty="0">
+                <a:solidFill>
+                  <a:srgbClr val="222222"/>
+                </a:solidFill>
+                <a:effectLst/>
+                <a:latin typeface="arial" panose="020B0604020202020204" pitchFamily="34" charset="0"/>
+              </a:rPr>
+              <a:t>database</a:t>
+            </a:r>
+            <a:r>
+              <a:rPr lang="en-US" b="0" i="0" dirty="0">
+                <a:solidFill>
+                  <a:srgbClr val="222222"/>
+                </a:solidFill>
+                <a:effectLst/>
+                <a:latin typeface="arial" panose="020B0604020202020204" pitchFamily="34" charset="0"/>
+              </a:rPr>
+              <a:t>.</a:t>
+            </a:r>
+          </a:p>
+          <a:p>
+            <a:endParaRPr lang="en-US" dirty="0">
+              <a:solidFill>
+                <a:srgbClr val="222222"/>
+              </a:solidFill>
+              <a:latin typeface="arial" panose="020B0604020202020204" pitchFamily="34" charset="0"/>
+            </a:endParaRPr>
+          </a:p>
+          <a:p>
+            <a:r>
+              <a:rPr lang="en-US" b="1" dirty="0">
+                <a:solidFill>
+                  <a:srgbClr val="222222"/>
+                </a:solidFill>
+                <a:latin typeface="arial" panose="020B0604020202020204" pitchFamily="34" charset="0"/>
+              </a:rPr>
+              <a:t>Trigger Types</a:t>
+            </a:r>
+          </a:p>
+          <a:p>
+            <a:pPr marL="742950" lvl="1" indent="-285750">
+              <a:buFont typeface="Arial" panose="020B0604020202020204" pitchFamily="34" charset="0"/>
+              <a:buChar char="•"/>
+            </a:pPr>
+            <a:r>
+              <a:rPr lang="en-US" dirty="0">
+                <a:solidFill>
+                  <a:srgbClr val="222222"/>
+                </a:solidFill>
+                <a:latin typeface="arial" panose="020B0604020202020204" pitchFamily="34" charset="0"/>
+              </a:rPr>
+              <a:t>INSERT</a:t>
+            </a:r>
+          </a:p>
+          <a:p>
+            <a:pPr marL="742950" lvl="1" indent="-285750">
+              <a:buFont typeface="Arial" panose="020B0604020202020204" pitchFamily="34" charset="0"/>
+              <a:buChar char="•"/>
+            </a:pPr>
+            <a:r>
+              <a:rPr lang="en-US" dirty="0">
+                <a:solidFill>
+                  <a:srgbClr val="222222"/>
+                </a:solidFill>
+                <a:latin typeface="arial" panose="020B0604020202020204" pitchFamily="34" charset="0"/>
+              </a:rPr>
+              <a:t>UPDATE</a:t>
+            </a:r>
+          </a:p>
+          <a:p>
+            <a:pPr marL="742950" lvl="1" indent="-285750">
+              <a:buFont typeface="Arial" panose="020B0604020202020204" pitchFamily="34" charset="0"/>
+              <a:buChar char="•"/>
+            </a:pPr>
+            <a:r>
+              <a:rPr lang="en-US" dirty="0">
+                <a:solidFill>
+                  <a:srgbClr val="222222"/>
+                </a:solidFill>
+                <a:latin typeface="arial" panose="020B0604020202020204" pitchFamily="34" charset="0"/>
+              </a:rPr>
+              <a:t>DELETE</a:t>
+            </a:r>
+          </a:p>
+          <a:p>
+            <a:endParaRPr lang="en-US" dirty="0">
+              <a:solidFill>
+                <a:srgbClr val="222222"/>
+              </a:solidFill>
+              <a:latin typeface="arial" panose="020B0604020202020204" pitchFamily="34" charset="0"/>
+            </a:endParaRPr>
+          </a:p>
+          <a:p>
+            <a:r>
+              <a:rPr lang="en-US" dirty="0">
+                <a:solidFill>
+                  <a:srgbClr val="222222"/>
+                </a:solidFill>
+                <a:latin typeface="arial" panose="020B0604020202020204" pitchFamily="34" charset="0"/>
+              </a:rPr>
+              <a:t>Trigger can be BEFORE or AFTER Trigger Type</a:t>
+            </a:r>
+          </a:p>
+          <a:p>
+            <a:endParaRPr lang="en-US" dirty="0">
+              <a:solidFill>
+                <a:srgbClr val="222222"/>
+              </a:solidFill>
+              <a:latin typeface="arial" panose="020B0604020202020204" pitchFamily="34" charset="0"/>
+            </a:endParaRPr>
+          </a:p>
+          <a:p>
+            <a:r>
+              <a:rPr lang="en-US" dirty="0">
+                <a:solidFill>
+                  <a:srgbClr val="222222"/>
+                </a:solidFill>
+                <a:latin typeface="arial" panose="020B0604020202020204" pitchFamily="34" charset="0"/>
+              </a:rPr>
+              <a:t>Trigger Action can be either Execute an SQL(s) or Stored Procedure (SPL)</a:t>
+            </a:r>
+          </a:p>
+        </p:txBody>
+      </p:sp>
+    </p:spTree>
+    <p:extLst>
+      <p:ext uri="{BB962C8B-B14F-4D97-AF65-F5344CB8AC3E}">
+        <p14:creationId xmlns:p14="http://schemas.microsoft.com/office/powerpoint/2010/main" val="1001701006"/>
+      </p:ext>
+    </p:extLst>
+  </p:cSld>
+  <p:clrMapOvr>
+    <a:masterClrMapping/>
+  </p:clrMapOvr>
+  <mc:AlternateContent xmlns:mc="http://schemas.openxmlformats.org/markup-compatibility/2006">
+    <mc:Choice xmlns:p14="http://schemas.microsoft.com/office/powerpoint/2010/main" Requires="p14">
+      <p:transition spd="med" p14:dur="700">
+        <p:fade/>
+      </p:transition>
+    </mc:Choice>
+    <mc:Fallback>
+      <p:transition spd="med">
+        <p:fade/>
+      </p:transition>
+    </mc:Fallback>
+  </mc:AlternateContent>
+</p:sld>
+</file>
+
+<file path=ppt/slides/slide31.xml><?xml version="1.0" encoding="utf-8"?>
+<p:sld xmlns:a="http://schemas.openxmlformats.org/drawingml/2006/main" xmlns:r="http://schemas.openxmlformats.org/officeDocument/2006/relationships" xmlns:p="http://schemas.openxmlformats.org/presentationml/2006/main">
+  <p:cSld>
+    <p:bg>
+      <p:bgPr>
+        <a:solidFill>
+          <a:schemeClr val="bg1"/>
+        </a:solidFill>
+        <a:effectLst/>
+      </p:bgPr>
+    </p:bg>
+    <p:spTree>
+      <p:nvGrpSpPr>
+        <p:cNvPr id="1" name=""/>
+        <p:cNvGrpSpPr/>
+        <p:nvPr/>
+      </p:nvGrpSpPr>
+      <p:grpSpPr>
+        <a:xfrm>
+          <a:off x="0" y="0"/>
+          <a:ext cx="0" cy="0"/>
+          <a:chOff x="0" y="0"/>
+          <a:chExt cx="0" cy="0"/>
+        </a:xfrm>
+      </p:grpSpPr>
+      <p:sp useBgFill="1">
+        <p:nvSpPr>
+          <p:cNvPr id="10" name="Rectangle 9">
+            <a:extLst>
+              <a:ext uri="{FF2B5EF4-FFF2-40B4-BE49-F238E27FC236}">
+                <a16:creationId xmlns:a16="http://schemas.microsoft.com/office/drawing/2014/main" id="{EE1530B0-6F96-46C0-8B3E-3215CB756BE4}"/>
+              </a:ext>
+              <a:ext uri="{C183D7F6-B498-43B3-948B-1728B52AA6E4}">
+                <adec:decorative xmlns:adec="http://schemas.microsoft.com/office/drawing/2017/decorative" val="1"/>
+              </a:ext>
+            </a:extLst>
+          </p:cNvPr>
+          <p:cNvSpPr>
+            <a:spLocks noGrp="1" noRot="1" noChangeAspect="1" noMove="1" noResize="1" noEditPoints="1" noAdjustHandles="1" noChangeArrowheads="1" noChangeShapeType="1" noTextEdit="1"/>
+          </p:cNvSpPr>
+          <p:nvPr>
+            <p:extLst>
+              <p:ext uri="{386F3935-93C4-4BCD-93E2-E3B085C9AB24}">
+                <p16:designElem xmlns:p16="http://schemas.microsoft.com/office/powerpoint/2015/main" val="1"/>
+              </p:ext>
+            </p:extLst>
+          </p:nvPr>
+        </p:nvSpPr>
+        <p:spPr>
+          <a:xfrm>
+            <a:off x="5685" y="0"/>
+            <a:ext cx="12186315" cy="6858000"/>
+          </a:xfrm>
+          <a:prstGeom prst="rect">
+            <a:avLst/>
+          </a:prstGeom>
+          <a:ln>
+            <a:noFill/>
+          </a:ln>
+        </p:spPr>
+        <p:style>
+          <a:lnRef idx="2">
+            <a:schemeClr val="accent6">
+              <a:shade val="50000"/>
+            </a:schemeClr>
+          </a:lnRef>
+          <a:fillRef idx="1001">
+            <a:schemeClr val="lt1"/>
+          </a:fillRef>
+          <a:effectRef idx="0">
+            <a:schemeClr val="accent6"/>
+          </a:effectRef>
+          <a:fontRef idx="minor">
+            <a:schemeClr val="lt1"/>
+          </a:fontRef>
+        </p:style>
+        <p:txBody>
+          <a:bodyPr rtlCol="0" anchor="ctr"/>
+          <a:lstStyle/>
+          <a:p>
+            <a:pPr marL="0" marR="0" lvl="0" indent="0" algn="ctr" defTabSz="914400" rtl="0" eaLnBrk="1" fontAlgn="auto" latinLnBrk="0" hangingPunct="1">
+              <a:lnSpc>
+                <a:spcPct val="100000"/>
+              </a:lnSpc>
+              <a:spcBef>
+                <a:spcPts val="0"/>
+              </a:spcBef>
+              <a:spcAft>
+                <a:spcPts val="0"/>
+              </a:spcAft>
+              <a:buClrTx/>
+              <a:buSzTx/>
+              <a:buFontTx/>
+              <a:buNone/>
+              <a:tabLst/>
+              <a:defRPr/>
+            </a:pPr>
+            <a:endParaRPr kumimoji="0" lang="en-US" sz="1800" b="0" i="0" u="none" strike="noStrike" kern="1200" cap="none" spc="0" normalizeH="0" baseline="0" noProof="0" dirty="0">
+              <a:ln>
+                <a:noFill/>
+              </a:ln>
+              <a:solidFill>
+                <a:prstClr val="white"/>
+              </a:solidFill>
+              <a:effectLst/>
+              <a:uLnTx/>
+              <a:uFillTx/>
+              <a:latin typeface="Franklin Gothic Book" panose="020F0502020204030204"/>
+              <a:ea typeface="+mn-ea"/>
+              <a:cs typeface="+mn-cs"/>
+            </a:endParaRPr>
+          </a:p>
+        </p:txBody>
+      </p:sp>
+      <p:sp>
+        <p:nvSpPr>
+          <p:cNvPr id="12" name="Rectangle 11">
+            <a:extLst>
+              <a:ext uri="{FF2B5EF4-FFF2-40B4-BE49-F238E27FC236}">
+                <a16:creationId xmlns:a16="http://schemas.microsoft.com/office/drawing/2014/main" id="{754910CF-1B56-45D3-960A-E89F7B3B9131}"/>
+              </a:ext>
+              <a:ext uri="{C183D7F6-B498-43B3-948B-1728B52AA6E4}">
+                <adec:decorative xmlns:adec="http://schemas.microsoft.com/office/drawing/2017/decorative" val="1"/>
+              </a:ext>
+            </a:extLst>
+          </p:cNvPr>
+          <p:cNvSpPr>
+            <a:spLocks noGrp="1" noRot="1" noChangeAspect="1" noMove="1" noResize="1" noEditPoints="1" noAdjustHandles="1" noChangeArrowheads="1" noChangeShapeType="1" noTextEdit="1"/>
+          </p:cNvSpPr>
+          <p:nvPr>
+            <p:extLst>
+              <p:ext uri="{386F3935-93C4-4BCD-93E2-E3B085C9AB24}">
+                <p16:designElem xmlns:p16="http://schemas.microsoft.com/office/powerpoint/2015/main" val="1"/>
+              </p:ext>
+            </p:extLst>
+          </p:nvPr>
+        </p:nvSpPr>
+        <p:spPr>
+          <a:xfrm>
+            <a:off x="16" y="0"/>
+            <a:ext cx="4050791" cy="6858000"/>
+          </a:xfrm>
+          <a:prstGeom prst="rect">
+            <a:avLst/>
+          </a:prstGeom>
+          <a:solidFill>
+            <a:schemeClr val="tx1">
+              <a:lumMod val="85000"/>
+              <a:lumOff val="15000"/>
+            </a:schemeClr>
+          </a:solidFill>
+          <a:ln>
+            <a:noFill/>
+          </a:ln>
+        </p:spPr>
+        <p:style>
+          <a:lnRef idx="2">
+            <a:schemeClr val="accent1">
+              <a:shade val="50000"/>
+            </a:schemeClr>
+          </a:lnRef>
+          <a:fillRef idx="1">
+            <a:schemeClr val="accent1"/>
+          </a:fillRef>
+          <a:effectRef idx="0">
+            <a:schemeClr val="accent1"/>
+          </a:effectRef>
+          <a:fontRef idx="minor">
+            <a:schemeClr val="lt1"/>
+          </a:fontRef>
+        </p:style>
+      </p:sp>
+      <p:sp>
+        <p:nvSpPr>
+          <p:cNvPr id="2" name="Title 1">
+            <a:extLst>
+              <a:ext uri="{FF2B5EF4-FFF2-40B4-BE49-F238E27FC236}">
+                <a16:creationId xmlns:a16="http://schemas.microsoft.com/office/drawing/2014/main" id="{0AE422CB-EBC9-4703-870C-8981A495893A}"/>
+              </a:ext>
+            </a:extLst>
+          </p:cNvPr>
+          <p:cNvSpPr>
+            <a:spLocks noGrp="1"/>
+          </p:cNvSpPr>
+          <p:nvPr>
+            <p:ph type="title"/>
+          </p:nvPr>
+        </p:nvSpPr>
+        <p:spPr>
+          <a:xfrm>
+            <a:off x="492370" y="516835"/>
+            <a:ext cx="3084844" cy="5772840"/>
+          </a:xfrm>
+        </p:spPr>
+        <p:txBody>
+          <a:bodyPr anchor="ctr">
+            <a:normAutofit/>
+          </a:bodyPr>
+          <a:lstStyle/>
+          <a:p>
+            <a:r>
+              <a:rPr lang="en-US" sz="3600" dirty="0">
+                <a:solidFill>
+                  <a:schemeClr val="bg1"/>
+                </a:solidFill>
+              </a:rPr>
+              <a:t>UPDATE Trigger Example</a:t>
+            </a:r>
+            <a:endParaRPr lang="en-US" sz="2400" dirty="0">
+              <a:solidFill>
+                <a:schemeClr val="bg1"/>
+              </a:solidFill>
+            </a:endParaRPr>
+          </a:p>
+        </p:txBody>
+      </p:sp>
+      <p:sp>
+        <p:nvSpPr>
+          <p:cNvPr id="7" name="TextBox 6">
+            <a:extLst>
+              <a:ext uri="{FF2B5EF4-FFF2-40B4-BE49-F238E27FC236}">
+                <a16:creationId xmlns:a16="http://schemas.microsoft.com/office/drawing/2014/main" id="{BFB26191-3737-4634-AC06-BA7B8215028A}"/>
+              </a:ext>
+            </a:extLst>
+          </p:cNvPr>
+          <p:cNvSpPr txBox="1"/>
+          <p:nvPr/>
+        </p:nvSpPr>
+        <p:spPr>
+          <a:xfrm>
+            <a:off x="4191827" y="595809"/>
+            <a:ext cx="7665555" cy="5693866"/>
+          </a:xfrm>
+          <a:prstGeom prst="rect">
+            <a:avLst/>
+          </a:prstGeom>
+          <a:noFill/>
+        </p:spPr>
+        <p:txBody>
+          <a:bodyPr wrap="square">
+            <a:spAutoFit/>
+          </a:bodyPr>
+          <a:lstStyle/>
+          <a:p>
+            <a:r>
+              <a:rPr lang="en-US" sz="1400" i="0" dirty="0">
+                <a:solidFill>
+                  <a:srgbClr val="FF0000"/>
+                </a:solidFill>
+                <a:effectLst/>
+                <a:latin typeface="Consolas" panose="020B0609020204030204" pitchFamily="49" charset="0"/>
+              </a:rPr>
+              <a:t>CREATE TABLE </a:t>
+            </a:r>
+            <a:r>
+              <a:rPr lang="en-US" sz="1400" b="0" i="0" dirty="0" err="1">
+                <a:solidFill>
+                  <a:srgbClr val="222222"/>
+                </a:solidFill>
+                <a:effectLst/>
+                <a:latin typeface="Consolas" panose="020B0609020204030204" pitchFamily="49" charset="0"/>
+              </a:rPr>
+              <a:t>customer_audit</a:t>
+            </a:r>
+            <a:r>
+              <a:rPr lang="en-US" sz="1400" b="0" i="0" dirty="0">
+                <a:solidFill>
+                  <a:srgbClr val="222222"/>
+                </a:solidFill>
+                <a:effectLst/>
+                <a:latin typeface="Consolas" panose="020B0609020204030204" pitchFamily="49" charset="0"/>
+              </a:rPr>
+              <a:t> (</a:t>
+            </a:r>
+          </a:p>
+          <a:p>
+            <a:r>
+              <a:rPr lang="en-US" sz="1400" b="0" i="0" dirty="0">
+                <a:solidFill>
+                  <a:srgbClr val="222222"/>
+                </a:solidFill>
+                <a:effectLst/>
+                <a:latin typeface="Consolas" panose="020B0609020204030204" pitchFamily="49" charset="0"/>
+              </a:rPr>
+              <a:t>    [</a:t>
+            </a:r>
+            <a:r>
+              <a:rPr lang="en-US" sz="1400" b="0" i="0" dirty="0" err="1">
+                <a:solidFill>
+                  <a:srgbClr val="222222"/>
+                </a:solidFill>
+                <a:effectLst/>
+                <a:latin typeface="Consolas" panose="020B0609020204030204" pitchFamily="49" charset="0"/>
+              </a:rPr>
+              <a:t>customer_audit_id</a:t>
+            </a:r>
+            <a:r>
+              <a:rPr lang="en-US" sz="1400" b="0" i="0" dirty="0">
+                <a:solidFill>
+                  <a:srgbClr val="222222"/>
+                </a:solidFill>
+                <a:effectLst/>
+                <a:latin typeface="Consolas" panose="020B0609020204030204" pitchFamily="49" charset="0"/>
+              </a:rPr>
+              <a:t>] INTEGER PRIMARY KEY AUTOINCREMENT NOT NULL,</a:t>
+            </a:r>
+          </a:p>
+          <a:p>
+            <a:r>
+              <a:rPr lang="en-US" sz="1400" b="0" i="0" dirty="0">
+                <a:solidFill>
+                  <a:srgbClr val="222222"/>
+                </a:solidFill>
+                <a:effectLst/>
+                <a:latin typeface="Consolas" panose="020B0609020204030204" pitchFamily="49" charset="0"/>
+              </a:rPr>
+              <a:t>	[</a:t>
+            </a:r>
+            <a:r>
+              <a:rPr lang="en-US" sz="1400" b="0" i="0" dirty="0" err="1">
+                <a:solidFill>
+                  <a:srgbClr val="222222"/>
+                </a:solidFill>
+                <a:effectLst/>
+                <a:latin typeface="Consolas" panose="020B0609020204030204" pitchFamily="49" charset="0"/>
+              </a:rPr>
+              <a:t>customer_id</a:t>
+            </a:r>
+            <a:r>
+              <a:rPr lang="en-US" sz="1400" b="0" i="0" dirty="0">
+                <a:solidFill>
+                  <a:srgbClr val="222222"/>
+                </a:solidFill>
+                <a:effectLst/>
+                <a:latin typeface="Consolas" panose="020B0609020204030204" pitchFamily="49" charset="0"/>
+              </a:rPr>
+              <a:t>] INTEGER NOT NULL,</a:t>
+            </a:r>
+          </a:p>
+          <a:p>
+            <a:r>
+              <a:rPr lang="en-US" sz="1400" b="0" i="0" dirty="0">
+                <a:solidFill>
+                  <a:srgbClr val="222222"/>
+                </a:solidFill>
+                <a:effectLst/>
+                <a:latin typeface="Consolas" panose="020B0609020204030204" pitchFamily="49" charset="0"/>
+              </a:rPr>
+              <a:t>	[</a:t>
+            </a:r>
+            <a:r>
+              <a:rPr lang="en-US" sz="1400" b="0" i="0" dirty="0" err="1">
+                <a:solidFill>
+                  <a:srgbClr val="222222"/>
+                </a:solidFill>
+                <a:effectLst/>
+                <a:latin typeface="Consolas" panose="020B0609020204030204" pitchFamily="49" charset="0"/>
+              </a:rPr>
+              <a:t>ctry_cd</a:t>
+            </a:r>
+            <a:r>
+              <a:rPr lang="en-US" sz="1400" b="0" i="0" dirty="0">
+                <a:solidFill>
+                  <a:srgbClr val="222222"/>
+                </a:solidFill>
+                <a:effectLst/>
+                <a:latin typeface="Consolas" panose="020B0609020204030204" pitchFamily="49" charset="0"/>
+              </a:rPr>
+              <a:t>] [char](2) NOT NULL,</a:t>
+            </a:r>
+          </a:p>
+          <a:p>
+            <a:r>
+              <a:rPr lang="en-US" sz="1400" b="0" i="0" dirty="0">
+                <a:solidFill>
+                  <a:srgbClr val="222222"/>
+                </a:solidFill>
+                <a:effectLst/>
+                <a:latin typeface="Consolas" panose="020B0609020204030204" pitchFamily="49" charset="0"/>
+              </a:rPr>
+              <a:t>	[</a:t>
+            </a:r>
+            <a:r>
+              <a:rPr lang="en-US" sz="1400" b="0" i="0" dirty="0" err="1">
+                <a:solidFill>
+                  <a:srgbClr val="222222"/>
+                </a:solidFill>
+                <a:effectLst/>
+                <a:latin typeface="Consolas" panose="020B0609020204030204" pitchFamily="49" charset="0"/>
+              </a:rPr>
+              <a:t>customer_name</a:t>
+            </a:r>
+            <a:r>
+              <a:rPr lang="en-US" sz="1400" b="0" i="0" dirty="0">
+                <a:solidFill>
+                  <a:srgbClr val="222222"/>
+                </a:solidFill>
+                <a:effectLst/>
+                <a:latin typeface="Consolas" panose="020B0609020204030204" pitchFamily="49" charset="0"/>
+              </a:rPr>
+              <a:t>] [text] NOT NULL,</a:t>
+            </a:r>
+          </a:p>
+          <a:p>
+            <a:r>
+              <a:rPr lang="en-US" sz="1400" b="0" i="0" dirty="0">
+                <a:solidFill>
+                  <a:srgbClr val="222222"/>
+                </a:solidFill>
+                <a:effectLst/>
+                <a:latin typeface="Consolas" panose="020B0609020204030204" pitchFamily="49" charset="0"/>
+              </a:rPr>
+              <a:t>	[</a:t>
+            </a:r>
+            <a:r>
+              <a:rPr lang="en-US" sz="1400" b="0" i="0" dirty="0" err="1">
+                <a:solidFill>
+                  <a:srgbClr val="222222"/>
+                </a:solidFill>
+                <a:effectLst/>
+                <a:latin typeface="Consolas" panose="020B0609020204030204" pitchFamily="49" charset="0"/>
+              </a:rPr>
+              <a:t>phone_no</a:t>
+            </a:r>
+            <a:r>
+              <a:rPr lang="en-US" sz="1400" b="0" i="0" dirty="0">
+                <a:solidFill>
+                  <a:srgbClr val="222222"/>
+                </a:solidFill>
+                <a:effectLst/>
+                <a:latin typeface="Consolas" panose="020B0609020204030204" pitchFamily="49" charset="0"/>
+              </a:rPr>
+              <a:t>] [varchar](18) NOT NULL,</a:t>
+            </a:r>
+          </a:p>
+          <a:p>
+            <a:r>
+              <a:rPr lang="en-US" sz="1400" b="0" i="0" dirty="0">
+                <a:solidFill>
+                  <a:srgbClr val="222222"/>
+                </a:solidFill>
+                <a:effectLst/>
+                <a:latin typeface="Consolas" panose="020B0609020204030204" pitchFamily="49" charset="0"/>
+              </a:rPr>
+              <a:t>	[</a:t>
+            </a:r>
+            <a:r>
+              <a:rPr lang="en-US" sz="1400" b="0" i="0" dirty="0" err="1">
+                <a:solidFill>
+                  <a:srgbClr val="222222"/>
+                </a:solidFill>
+                <a:effectLst/>
+                <a:latin typeface="Consolas" panose="020B0609020204030204" pitchFamily="49" charset="0"/>
+              </a:rPr>
+              <a:t>phone_type</a:t>
+            </a:r>
+            <a:r>
+              <a:rPr lang="en-US" sz="1400" b="0" i="0" dirty="0">
+                <a:solidFill>
+                  <a:srgbClr val="222222"/>
+                </a:solidFill>
+                <a:effectLst/>
+                <a:latin typeface="Consolas" panose="020B0609020204030204" pitchFamily="49" charset="0"/>
+              </a:rPr>
+              <a:t>] [varchar](12) NOT NULL,</a:t>
+            </a:r>
+          </a:p>
+          <a:p>
+            <a:r>
+              <a:rPr lang="en-US" sz="1400" b="0" i="0" dirty="0">
+                <a:solidFill>
+                  <a:srgbClr val="222222"/>
+                </a:solidFill>
+                <a:effectLst/>
+                <a:latin typeface="Consolas" panose="020B0609020204030204" pitchFamily="49" charset="0"/>
+              </a:rPr>
+              <a:t>	[</a:t>
+            </a:r>
+            <a:r>
+              <a:rPr lang="en-US" sz="1400" b="0" i="0" dirty="0" err="1">
+                <a:solidFill>
+                  <a:srgbClr val="222222"/>
+                </a:solidFill>
+                <a:effectLst/>
+                <a:latin typeface="Consolas" panose="020B0609020204030204" pitchFamily="49" charset="0"/>
+              </a:rPr>
+              <a:t>email_ad</a:t>
+            </a:r>
+            <a:r>
+              <a:rPr lang="en-US" sz="1400" b="0" i="0" dirty="0">
+                <a:solidFill>
+                  <a:srgbClr val="222222"/>
+                </a:solidFill>
+                <a:effectLst/>
+                <a:latin typeface="Consolas" panose="020B0609020204030204" pitchFamily="49" charset="0"/>
+              </a:rPr>
+              <a:t>] [varchar](65) NOT NULL,</a:t>
+            </a:r>
+          </a:p>
+          <a:p>
+            <a:r>
+              <a:rPr lang="en-US" sz="1400" b="0" i="0" dirty="0">
+                <a:solidFill>
+                  <a:srgbClr val="222222"/>
+                </a:solidFill>
+                <a:effectLst/>
+                <a:latin typeface="Consolas" panose="020B0609020204030204" pitchFamily="49" charset="0"/>
+              </a:rPr>
+              <a:t>	[</a:t>
+            </a:r>
+            <a:r>
+              <a:rPr lang="en-US" sz="1400" b="0" i="0" dirty="0" err="1">
+                <a:solidFill>
+                  <a:srgbClr val="222222"/>
+                </a:solidFill>
+                <a:effectLst/>
+                <a:latin typeface="Consolas" panose="020B0609020204030204" pitchFamily="49" charset="0"/>
+              </a:rPr>
+              <a:t>customer_guid</a:t>
+            </a:r>
+            <a:r>
+              <a:rPr lang="en-US" sz="1400" b="0" i="0" dirty="0">
+                <a:solidFill>
+                  <a:srgbClr val="222222"/>
+                </a:solidFill>
+                <a:effectLst/>
+                <a:latin typeface="Consolas" panose="020B0609020204030204" pitchFamily="49" charset="0"/>
+              </a:rPr>
+              <a:t>] [</a:t>
+            </a:r>
+            <a:r>
+              <a:rPr lang="en-US" sz="1400" b="0" i="0" dirty="0" err="1">
+                <a:solidFill>
+                  <a:srgbClr val="222222"/>
+                </a:solidFill>
+                <a:effectLst/>
+                <a:latin typeface="Consolas" panose="020B0609020204030204" pitchFamily="49" charset="0"/>
+              </a:rPr>
+              <a:t>uniqueidentifier</a:t>
+            </a:r>
+            <a:r>
+              <a:rPr lang="en-US" sz="1400" b="0" i="0" dirty="0">
+                <a:solidFill>
+                  <a:srgbClr val="222222"/>
+                </a:solidFill>
+                <a:effectLst/>
+                <a:latin typeface="Consolas" panose="020B0609020204030204" pitchFamily="49" charset="0"/>
+              </a:rPr>
+              <a:t>] NOT NULL,</a:t>
+            </a:r>
+          </a:p>
+          <a:p>
+            <a:r>
+              <a:rPr lang="en-US" sz="1400" b="0" i="0" dirty="0">
+                <a:solidFill>
+                  <a:srgbClr val="222222"/>
+                </a:solidFill>
+                <a:effectLst/>
+                <a:latin typeface="Consolas" panose="020B0609020204030204" pitchFamily="49" charset="0"/>
+              </a:rPr>
+              <a:t>	[</a:t>
+            </a:r>
+            <a:r>
+              <a:rPr lang="en-US" sz="1400" b="0" i="0" dirty="0" err="1">
+                <a:solidFill>
+                  <a:srgbClr val="222222"/>
+                </a:solidFill>
+                <a:effectLst/>
+                <a:latin typeface="Consolas" panose="020B0609020204030204" pitchFamily="49" charset="0"/>
+              </a:rPr>
+              <a:t>init_insert_ts</a:t>
+            </a:r>
+            <a:r>
+              <a:rPr lang="en-US" sz="1400" b="0" i="0" dirty="0">
+                <a:solidFill>
+                  <a:srgbClr val="222222"/>
+                </a:solidFill>
+                <a:effectLst/>
+                <a:latin typeface="Consolas" panose="020B0609020204030204" pitchFamily="49" charset="0"/>
+              </a:rPr>
+              <a:t>] [datetime] NOT NULL,</a:t>
+            </a:r>
+          </a:p>
+          <a:p>
+            <a:r>
+              <a:rPr lang="en-US" sz="1400" b="0" i="0" dirty="0">
+                <a:solidFill>
+                  <a:srgbClr val="222222"/>
+                </a:solidFill>
+                <a:effectLst/>
+                <a:latin typeface="Consolas" panose="020B0609020204030204" pitchFamily="49" charset="0"/>
+              </a:rPr>
+              <a:t>	[</a:t>
+            </a:r>
+            <a:r>
+              <a:rPr lang="en-US" sz="1400" b="0" i="0" dirty="0" err="1">
+                <a:solidFill>
+                  <a:srgbClr val="222222"/>
+                </a:solidFill>
+                <a:effectLst/>
+                <a:latin typeface="Consolas" panose="020B0609020204030204" pitchFamily="49" charset="0"/>
+              </a:rPr>
+              <a:t>last_mdfy_ts</a:t>
+            </a:r>
+            <a:r>
+              <a:rPr lang="en-US" sz="1400" b="0" i="0" dirty="0">
+                <a:solidFill>
+                  <a:srgbClr val="222222"/>
+                </a:solidFill>
+                <a:effectLst/>
+                <a:latin typeface="Consolas" panose="020B0609020204030204" pitchFamily="49" charset="0"/>
+              </a:rPr>
+              <a:t>] [datetime] NOT NULL,</a:t>
+            </a:r>
+          </a:p>
+          <a:p>
+            <a:r>
+              <a:rPr lang="en-US" sz="1400" b="0" i="0" dirty="0">
+                <a:solidFill>
+                  <a:srgbClr val="222222"/>
+                </a:solidFill>
+                <a:effectLst/>
+                <a:latin typeface="Consolas" panose="020B0609020204030204" pitchFamily="49" charset="0"/>
+              </a:rPr>
+              <a:t>	[</a:t>
+            </a:r>
+            <a:r>
+              <a:rPr lang="en-US" sz="1400" b="0" i="0" dirty="0" err="1">
+                <a:solidFill>
+                  <a:srgbClr val="222222"/>
+                </a:solidFill>
+                <a:effectLst/>
+                <a:latin typeface="Consolas" panose="020B0609020204030204" pitchFamily="49" charset="0"/>
+              </a:rPr>
+              <a:t>last_mdfy_user</a:t>
+            </a:r>
+            <a:r>
+              <a:rPr lang="en-US" sz="1400" b="0" i="0" dirty="0">
+                <a:solidFill>
+                  <a:srgbClr val="222222"/>
+                </a:solidFill>
+                <a:effectLst/>
+                <a:latin typeface="Consolas" panose="020B0609020204030204" pitchFamily="49" charset="0"/>
+              </a:rPr>
+              <a:t>] [varchar](65) NOT NULL,</a:t>
+            </a:r>
+          </a:p>
+          <a:p>
+            <a:r>
+              <a:rPr lang="en-US" sz="1400" b="0" i="0" dirty="0">
+                <a:solidFill>
+                  <a:srgbClr val="222222"/>
+                </a:solidFill>
+                <a:effectLst/>
+                <a:latin typeface="Consolas" panose="020B0609020204030204" pitchFamily="49" charset="0"/>
+              </a:rPr>
+              <a:t>	[</a:t>
+            </a:r>
+            <a:r>
+              <a:rPr lang="en-US" sz="1400" b="0" i="0" dirty="0" err="1">
+                <a:solidFill>
+                  <a:srgbClr val="222222"/>
+                </a:solidFill>
+                <a:effectLst/>
+                <a:latin typeface="Consolas" panose="020B0609020204030204" pitchFamily="49" charset="0"/>
+              </a:rPr>
+              <a:t>last_mdfy_prog</a:t>
+            </a:r>
+            <a:r>
+              <a:rPr lang="en-US" sz="1400" b="0" i="0" dirty="0">
+                <a:solidFill>
+                  <a:srgbClr val="222222"/>
+                </a:solidFill>
+                <a:effectLst/>
+                <a:latin typeface="Consolas" panose="020B0609020204030204" pitchFamily="49" charset="0"/>
+              </a:rPr>
+              <a:t>] [varchar](65) NOT NULL</a:t>
+            </a:r>
+          </a:p>
+          <a:p>
+            <a:r>
+              <a:rPr lang="en-US" sz="1400" b="0" i="0" dirty="0">
+                <a:solidFill>
+                  <a:srgbClr val="222222"/>
+                </a:solidFill>
+                <a:effectLst/>
+                <a:latin typeface="Consolas" panose="020B0609020204030204" pitchFamily="49" charset="0"/>
+              </a:rPr>
+              <a:t>);</a:t>
+            </a:r>
+          </a:p>
+          <a:p>
+            <a:endParaRPr lang="en-US" sz="1400" b="0" i="0" dirty="0">
+              <a:solidFill>
+                <a:srgbClr val="222222"/>
+              </a:solidFill>
+              <a:effectLst/>
+              <a:latin typeface="Consolas" panose="020B0609020204030204" pitchFamily="49" charset="0"/>
+            </a:endParaRPr>
+          </a:p>
+          <a:p>
+            <a:r>
+              <a:rPr lang="en-US" sz="1400" i="0" dirty="0">
+                <a:solidFill>
+                  <a:srgbClr val="FF0000"/>
+                </a:solidFill>
+                <a:effectLst/>
+                <a:latin typeface="Consolas" panose="020B0609020204030204" pitchFamily="49" charset="0"/>
+              </a:rPr>
+              <a:t>CREATE TRIGGER </a:t>
+            </a:r>
+            <a:r>
+              <a:rPr lang="en-US" sz="1400" b="0" i="0" dirty="0" err="1">
+                <a:solidFill>
+                  <a:srgbClr val="222222"/>
+                </a:solidFill>
+                <a:effectLst/>
+                <a:latin typeface="Consolas" panose="020B0609020204030204" pitchFamily="49" charset="0"/>
+              </a:rPr>
+              <a:t>update_customer</a:t>
+            </a:r>
+            <a:r>
+              <a:rPr lang="en-US" sz="1400" b="0" i="0" dirty="0">
+                <a:solidFill>
+                  <a:srgbClr val="222222"/>
+                </a:solidFill>
+                <a:effectLst/>
+                <a:latin typeface="Consolas" panose="020B0609020204030204" pitchFamily="49" charset="0"/>
+              </a:rPr>
+              <a:t> </a:t>
+            </a:r>
+            <a:r>
+              <a:rPr lang="en-US" sz="1400" b="0" i="0" dirty="0">
+                <a:solidFill>
+                  <a:srgbClr val="FF0000"/>
+                </a:solidFill>
+                <a:effectLst/>
+                <a:latin typeface="Consolas" panose="020B0609020204030204" pitchFamily="49" charset="0"/>
+              </a:rPr>
+              <a:t>BEFORE UPDATE ON </a:t>
+            </a:r>
+            <a:r>
+              <a:rPr lang="en-US" sz="1400" b="0" i="0" dirty="0">
+                <a:solidFill>
+                  <a:srgbClr val="222222"/>
+                </a:solidFill>
+                <a:effectLst/>
+                <a:latin typeface="Consolas" panose="020B0609020204030204" pitchFamily="49" charset="0"/>
+              </a:rPr>
+              <a:t>customer </a:t>
+            </a:r>
+          </a:p>
+          <a:p>
+            <a:r>
+              <a:rPr lang="en-US" sz="1400" b="0" i="0" dirty="0">
+                <a:solidFill>
+                  <a:srgbClr val="222222"/>
+                </a:solidFill>
+                <a:effectLst/>
+                <a:latin typeface="Consolas" panose="020B0609020204030204" pitchFamily="49" charset="0"/>
+              </a:rPr>
+              <a:t>  </a:t>
+            </a:r>
+            <a:r>
+              <a:rPr lang="en-US" sz="1400" b="0" i="0" dirty="0">
+                <a:solidFill>
+                  <a:srgbClr val="FF0000"/>
+                </a:solidFill>
+                <a:effectLst/>
+                <a:latin typeface="Consolas" panose="020B0609020204030204" pitchFamily="49" charset="0"/>
+              </a:rPr>
+              <a:t>BEGIN</a:t>
+            </a:r>
+          </a:p>
+          <a:p>
+            <a:r>
+              <a:rPr lang="en-US" sz="1400" b="0" i="0" dirty="0">
+                <a:solidFill>
+                  <a:srgbClr val="222222"/>
+                </a:solidFill>
+                <a:effectLst/>
+                <a:latin typeface="Consolas" panose="020B0609020204030204" pitchFamily="49" charset="0"/>
+              </a:rPr>
+              <a:t>    </a:t>
+            </a:r>
+            <a:r>
+              <a:rPr lang="en-US" sz="1400" b="0" i="0" dirty="0">
+                <a:solidFill>
+                  <a:srgbClr val="00B050"/>
+                </a:solidFill>
+                <a:effectLst/>
+                <a:latin typeface="Consolas" panose="020B0609020204030204" pitchFamily="49" charset="0"/>
+              </a:rPr>
+              <a:t>INSERT INTO </a:t>
+            </a:r>
+            <a:r>
+              <a:rPr lang="en-US" sz="1400" b="0" i="0" dirty="0" err="1">
+                <a:solidFill>
+                  <a:srgbClr val="222222"/>
+                </a:solidFill>
+                <a:effectLst/>
+                <a:latin typeface="Consolas" panose="020B0609020204030204" pitchFamily="49" charset="0"/>
+              </a:rPr>
+              <a:t>customer_audit</a:t>
+            </a:r>
+            <a:r>
+              <a:rPr lang="en-US" sz="1400" b="0" i="0" dirty="0">
+                <a:solidFill>
+                  <a:srgbClr val="222222"/>
+                </a:solidFill>
+                <a:effectLst/>
+                <a:latin typeface="Consolas" panose="020B0609020204030204" pitchFamily="49" charset="0"/>
+              </a:rPr>
+              <a:t> (</a:t>
+            </a:r>
+            <a:r>
+              <a:rPr lang="en-US" sz="1400" b="0" i="0" dirty="0" err="1">
+                <a:solidFill>
+                  <a:srgbClr val="222222"/>
+                </a:solidFill>
+                <a:effectLst/>
+                <a:latin typeface="Consolas" panose="020B0609020204030204" pitchFamily="49" charset="0"/>
+              </a:rPr>
+              <a:t>customer_id</a:t>
+            </a:r>
+            <a:r>
+              <a:rPr lang="en-US" sz="1400" b="0" i="0" dirty="0">
+                <a:solidFill>
+                  <a:srgbClr val="222222"/>
+                </a:solidFill>
+                <a:effectLst/>
+                <a:latin typeface="Consolas" panose="020B0609020204030204" pitchFamily="49" charset="0"/>
+              </a:rPr>
+              <a:t>, </a:t>
+            </a:r>
+            <a:r>
+              <a:rPr lang="en-US" sz="1400" b="0" i="0" dirty="0" err="1">
+                <a:solidFill>
+                  <a:srgbClr val="222222"/>
+                </a:solidFill>
+                <a:effectLst/>
+                <a:latin typeface="Consolas" panose="020B0609020204030204" pitchFamily="49" charset="0"/>
+              </a:rPr>
+              <a:t>customer_id</a:t>
+            </a:r>
+            <a:r>
+              <a:rPr lang="en-US" sz="1400" b="0" i="0" dirty="0">
+                <a:solidFill>
+                  <a:srgbClr val="222222"/>
+                </a:solidFill>
+                <a:effectLst/>
+                <a:latin typeface="Consolas" panose="020B0609020204030204" pitchFamily="49" charset="0"/>
+              </a:rPr>
+              <a:t>, </a:t>
+            </a:r>
+            <a:r>
+              <a:rPr lang="en-US" sz="1400" b="0" i="0" dirty="0" err="1">
+                <a:solidFill>
+                  <a:srgbClr val="222222"/>
+                </a:solidFill>
+                <a:effectLst/>
+                <a:latin typeface="Consolas" panose="020B0609020204030204" pitchFamily="49" charset="0"/>
+              </a:rPr>
+              <a:t>ctry_cd</a:t>
+            </a:r>
+            <a:r>
+              <a:rPr lang="en-US" sz="1400" b="0" i="0" dirty="0">
+                <a:solidFill>
+                  <a:srgbClr val="222222"/>
+                </a:solidFill>
+                <a:effectLst/>
+                <a:latin typeface="Consolas" panose="020B0609020204030204" pitchFamily="49" charset="0"/>
+              </a:rPr>
+              <a:t>, 	</a:t>
+            </a:r>
+            <a:r>
+              <a:rPr lang="en-US" sz="1400" b="0" i="0" dirty="0" err="1">
+                <a:solidFill>
+                  <a:srgbClr val="222222"/>
+                </a:solidFill>
+                <a:effectLst/>
+                <a:latin typeface="Consolas" panose="020B0609020204030204" pitchFamily="49" charset="0"/>
+              </a:rPr>
+              <a:t>customer_name</a:t>
+            </a:r>
+            <a:r>
+              <a:rPr lang="en-US" sz="1400" b="0" i="0" dirty="0">
+                <a:solidFill>
+                  <a:srgbClr val="222222"/>
+                </a:solidFill>
+                <a:effectLst/>
+                <a:latin typeface="Consolas" panose="020B0609020204030204" pitchFamily="49" charset="0"/>
+              </a:rPr>
+              <a:t>, </a:t>
+            </a:r>
+            <a:r>
+              <a:rPr lang="en-US" sz="1400" b="0" i="0" dirty="0" err="1">
+                <a:solidFill>
+                  <a:srgbClr val="222222"/>
+                </a:solidFill>
+                <a:effectLst/>
+                <a:latin typeface="Consolas" panose="020B0609020204030204" pitchFamily="49" charset="0"/>
+              </a:rPr>
+              <a:t>phone_no</a:t>
+            </a:r>
+            <a:r>
+              <a:rPr lang="en-US" sz="1400" b="0" i="0" dirty="0">
+                <a:solidFill>
+                  <a:srgbClr val="222222"/>
+                </a:solidFill>
+                <a:effectLst/>
+                <a:latin typeface="Consolas" panose="020B0609020204030204" pitchFamily="49" charset="0"/>
+              </a:rPr>
+              <a:t>, </a:t>
+            </a:r>
+            <a:r>
+              <a:rPr lang="en-US" sz="1400" b="0" i="0" dirty="0" err="1">
+                <a:solidFill>
+                  <a:srgbClr val="222222"/>
+                </a:solidFill>
+                <a:effectLst/>
+                <a:latin typeface="Consolas" panose="020B0609020204030204" pitchFamily="49" charset="0"/>
+              </a:rPr>
+              <a:t>phone_type</a:t>
+            </a:r>
+            <a:r>
+              <a:rPr lang="en-US" sz="1400" b="0" i="0" dirty="0">
+                <a:solidFill>
+                  <a:srgbClr val="222222"/>
+                </a:solidFill>
+                <a:effectLst/>
+                <a:latin typeface="Consolas" panose="020B0609020204030204" pitchFamily="49" charset="0"/>
+              </a:rPr>
+              <a:t>, </a:t>
+            </a:r>
+            <a:r>
+              <a:rPr lang="en-US" sz="1400" b="0" i="0" dirty="0" err="1">
+                <a:solidFill>
+                  <a:srgbClr val="222222"/>
+                </a:solidFill>
+                <a:effectLst/>
+                <a:latin typeface="Consolas" panose="020B0609020204030204" pitchFamily="49" charset="0"/>
+              </a:rPr>
+              <a:t>email_ad</a:t>
+            </a:r>
+            <a:r>
+              <a:rPr lang="en-US" sz="1400" b="0" i="0" dirty="0">
+                <a:solidFill>
+                  <a:srgbClr val="222222"/>
+                </a:solidFill>
+                <a:effectLst/>
+                <a:latin typeface="Consolas" panose="020B0609020204030204" pitchFamily="49" charset="0"/>
+              </a:rPr>
+              <a:t>, </a:t>
+            </a:r>
+            <a:r>
+              <a:rPr lang="en-US" sz="1400" b="0" i="0" dirty="0" err="1">
+                <a:solidFill>
+                  <a:srgbClr val="222222"/>
+                </a:solidFill>
+                <a:effectLst/>
+                <a:latin typeface="Consolas" panose="020B0609020204030204" pitchFamily="49" charset="0"/>
+              </a:rPr>
+              <a:t>customer_guid</a:t>
+            </a:r>
+            <a:r>
+              <a:rPr lang="en-US" sz="1400" b="0" i="0" dirty="0">
+                <a:solidFill>
+                  <a:srgbClr val="222222"/>
+                </a:solidFill>
+                <a:effectLst/>
+                <a:latin typeface="Consolas" panose="020B0609020204030204" pitchFamily="49" charset="0"/>
+              </a:rPr>
+              <a:t>, 	</a:t>
+            </a:r>
+            <a:r>
+              <a:rPr lang="en-US" sz="1400" b="0" i="0" dirty="0" err="1">
+                <a:solidFill>
+                  <a:srgbClr val="222222"/>
+                </a:solidFill>
+                <a:effectLst/>
+                <a:latin typeface="Consolas" panose="020B0609020204030204" pitchFamily="49" charset="0"/>
+              </a:rPr>
+              <a:t>init_insert_ts</a:t>
+            </a:r>
+            <a:r>
+              <a:rPr lang="en-US" sz="1400" b="0" i="0" dirty="0">
+                <a:solidFill>
+                  <a:srgbClr val="222222"/>
+                </a:solidFill>
+                <a:effectLst/>
+                <a:latin typeface="Consolas" panose="020B0609020204030204" pitchFamily="49" charset="0"/>
+              </a:rPr>
+              <a:t>, </a:t>
+            </a:r>
+            <a:r>
+              <a:rPr lang="en-US" sz="1400" b="0" i="0" dirty="0" err="1">
+                <a:solidFill>
+                  <a:srgbClr val="222222"/>
+                </a:solidFill>
+                <a:effectLst/>
+                <a:latin typeface="Consolas" panose="020B0609020204030204" pitchFamily="49" charset="0"/>
+              </a:rPr>
+              <a:t>last_mdfy_ts</a:t>
+            </a:r>
+            <a:r>
+              <a:rPr lang="en-US" sz="1400" b="0" i="0" dirty="0">
+                <a:solidFill>
+                  <a:srgbClr val="222222"/>
+                </a:solidFill>
+                <a:effectLst/>
+                <a:latin typeface="Consolas" panose="020B0609020204030204" pitchFamily="49" charset="0"/>
+              </a:rPr>
+              <a:t>, </a:t>
+            </a:r>
+            <a:r>
+              <a:rPr lang="en-US" sz="1400" b="0" i="0" dirty="0" err="1">
+                <a:solidFill>
+                  <a:srgbClr val="222222"/>
+                </a:solidFill>
+                <a:effectLst/>
+                <a:latin typeface="Consolas" panose="020B0609020204030204" pitchFamily="49" charset="0"/>
+              </a:rPr>
+              <a:t>last_mdfy_user</a:t>
+            </a:r>
+            <a:r>
+              <a:rPr lang="en-US" sz="1400" b="0" i="0" dirty="0">
+                <a:solidFill>
+                  <a:srgbClr val="222222"/>
+                </a:solidFill>
+                <a:effectLst/>
+                <a:latin typeface="Consolas" panose="020B0609020204030204" pitchFamily="49" charset="0"/>
+              </a:rPr>
+              <a:t>, </a:t>
+            </a:r>
+            <a:r>
+              <a:rPr lang="en-US" sz="1400" b="0" i="0" dirty="0" err="1">
+                <a:solidFill>
+                  <a:srgbClr val="222222"/>
+                </a:solidFill>
+                <a:effectLst/>
+                <a:latin typeface="Consolas" panose="020B0609020204030204" pitchFamily="49" charset="0"/>
+              </a:rPr>
+              <a:t>last_mdfy_prog</a:t>
+            </a:r>
+            <a:r>
+              <a:rPr lang="en-US" sz="1400" b="0" i="0" dirty="0">
+                <a:solidFill>
+                  <a:srgbClr val="222222"/>
+                </a:solidFill>
+                <a:effectLst/>
+                <a:latin typeface="Consolas" panose="020B0609020204030204" pitchFamily="49" charset="0"/>
+              </a:rPr>
+              <a:t>)</a:t>
+            </a:r>
+          </a:p>
+          <a:p>
+            <a:r>
+              <a:rPr lang="en-US" sz="1400" dirty="0">
+                <a:solidFill>
+                  <a:srgbClr val="222222"/>
+                </a:solidFill>
+                <a:latin typeface="Consolas" panose="020B0609020204030204" pitchFamily="49" charset="0"/>
+              </a:rPr>
+              <a:t>    </a:t>
+            </a:r>
+            <a:r>
+              <a:rPr lang="en-US" sz="1400" b="0" i="0" dirty="0">
+                <a:solidFill>
+                  <a:srgbClr val="00B050"/>
+                </a:solidFill>
+                <a:effectLst/>
+                <a:latin typeface="Consolas" panose="020B0609020204030204" pitchFamily="49" charset="0"/>
+              </a:rPr>
+              <a:t>VALUES</a:t>
+            </a:r>
+            <a:r>
+              <a:rPr lang="en-US" sz="1400" b="0" i="0" dirty="0">
+                <a:solidFill>
+                  <a:srgbClr val="222222"/>
+                </a:solidFill>
+                <a:effectLst/>
+                <a:latin typeface="Consolas" panose="020B0609020204030204" pitchFamily="49" charset="0"/>
+              </a:rPr>
+              <a:t> (</a:t>
+            </a:r>
+            <a:r>
+              <a:rPr lang="en-US" sz="1400" b="0" i="0" dirty="0" err="1">
+                <a:solidFill>
+                  <a:srgbClr val="222222"/>
+                </a:solidFill>
+                <a:effectLst/>
+                <a:latin typeface="Consolas" panose="020B0609020204030204" pitchFamily="49" charset="0"/>
+              </a:rPr>
+              <a:t>old.customer_id</a:t>
+            </a:r>
+            <a:r>
+              <a:rPr lang="en-US" sz="1400" b="0" i="0" dirty="0">
+                <a:solidFill>
+                  <a:srgbClr val="222222"/>
+                </a:solidFill>
+                <a:effectLst/>
+                <a:latin typeface="Consolas" panose="020B0609020204030204" pitchFamily="49" charset="0"/>
+              </a:rPr>
+              <a:t>, </a:t>
+            </a:r>
+            <a:r>
+              <a:rPr lang="en-US" sz="1400" b="0" i="0" dirty="0" err="1">
+                <a:solidFill>
+                  <a:srgbClr val="222222"/>
+                </a:solidFill>
+                <a:effectLst/>
+                <a:latin typeface="Consolas" panose="020B0609020204030204" pitchFamily="49" charset="0"/>
+              </a:rPr>
+              <a:t>old.customer_id</a:t>
+            </a:r>
+            <a:r>
+              <a:rPr lang="en-US" sz="1400" b="0" i="0" dirty="0">
+                <a:solidFill>
+                  <a:srgbClr val="222222"/>
+                </a:solidFill>
+                <a:effectLst/>
+                <a:latin typeface="Consolas" panose="020B0609020204030204" pitchFamily="49" charset="0"/>
+              </a:rPr>
+              <a:t>, </a:t>
+            </a:r>
+            <a:r>
+              <a:rPr lang="en-US" sz="1400" b="0" i="0" dirty="0" err="1">
+                <a:solidFill>
+                  <a:srgbClr val="222222"/>
+                </a:solidFill>
+                <a:effectLst/>
+                <a:latin typeface="Consolas" panose="020B0609020204030204" pitchFamily="49" charset="0"/>
+              </a:rPr>
+              <a:t>old.ctry_cd</a:t>
+            </a:r>
+            <a:r>
+              <a:rPr lang="en-US" sz="1400" b="0" i="0" dirty="0">
+                <a:solidFill>
+                  <a:srgbClr val="222222"/>
+                </a:solidFill>
+                <a:effectLst/>
+                <a:latin typeface="Consolas" panose="020B0609020204030204" pitchFamily="49" charset="0"/>
+              </a:rPr>
+              <a:t>, 	</a:t>
+            </a:r>
+            <a:r>
+              <a:rPr lang="en-US" sz="1400" b="0" i="0" dirty="0" err="1">
+                <a:solidFill>
+                  <a:srgbClr val="222222"/>
+                </a:solidFill>
+                <a:effectLst/>
+                <a:latin typeface="Consolas" panose="020B0609020204030204" pitchFamily="49" charset="0"/>
+              </a:rPr>
+              <a:t>old.customer_name</a:t>
+            </a:r>
+            <a:r>
+              <a:rPr lang="en-US" sz="1400" b="0" i="0" dirty="0">
+                <a:solidFill>
+                  <a:srgbClr val="222222"/>
+                </a:solidFill>
+                <a:effectLst/>
+                <a:latin typeface="Consolas" panose="020B0609020204030204" pitchFamily="49" charset="0"/>
+              </a:rPr>
+              <a:t>, </a:t>
+            </a:r>
+            <a:r>
+              <a:rPr lang="en-US" sz="1400" b="0" i="0" dirty="0" err="1">
+                <a:solidFill>
+                  <a:srgbClr val="222222"/>
+                </a:solidFill>
+                <a:effectLst/>
+                <a:latin typeface="Consolas" panose="020B0609020204030204" pitchFamily="49" charset="0"/>
+              </a:rPr>
+              <a:t>old.phone_no</a:t>
+            </a:r>
+            <a:r>
+              <a:rPr lang="en-US" sz="1400" b="0" i="0" dirty="0">
+                <a:solidFill>
+                  <a:srgbClr val="222222"/>
+                </a:solidFill>
+                <a:effectLst/>
+                <a:latin typeface="Consolas" panose="020B0609020204030204" pitchFamily="49" charset="0"/>
+              </a:rPr>
+              <a:t>, </a:t>
+            </a:r>
+            <a:r>
+              <a:rPr lang="en-US" sz="1400" b="0" i="0" dirty="0" err="1">
+                <a:solidFill>
+                  <a:srgbClr val="222222"/>
+                </a:solidFill>
+                <a:effectLst/>
+                <a:latin typeface="Consolas" panose="020B0609020204030204" pitchFamily="49" charset="0"/>
+              </a:rPr>
+              <a:t>old.phone_type</a:t>
+            </a:r>
+            <a:r>
+              <a:rPr lang="en-US" sz="1400" b="0" i="0" dirty="0">
+                <a:solidFill>
+                  <a:srgbClr val="222222"/>
+                </a:solidFill>
+                <a:effectLst/>
+                <a:latin typeface="Consolas" panose="020B0609020204030204" pitchFamily="49" charset="0"/>
+              </a:rPr>
+              <a:t>, </a:t>
+            </a:r>
+            <a:r>
+              <a:rPr lang="en-US" sz="1400" b="0" i="0" dirty="0" err="1">
+                <a:solidFill>
+                  <a:srgbClr val="222222"/>
+                </a:solidFill>
+                <a:effectLst/>
+                <a:latin typeface="Consolas" panose="020B0609020204030204" pitchFamily="49" charset="0"/>
+              </a:rPr>
+              <a:t>old.email_ad</a:t>
+            </a:r>
+            <a:r>
+              <a:rPr lang="en-US" sz="1400" b="0" i="0" dirty="0">
+                <a:solidFill>
+                  <a:srgbClr val="222222"/>
+                </a:solidFill>
+                <a:effectLst/>
+                <a:latin typeface="Consolas" panose="020B0609020204030204" pitchFamily="49" charset="0"/>
+              </a:rPr>
+              <a:t>, 	</a:t>
+            </a:r>
+            <a:r>
+              <a:rPr lang="en-US" sz="1400" b="0" i="0" dirty="0" err="1">
+                <a:solidFill>
+                  <a:srgbClr val="222222"/>
+                </a:solidFill>
+                <a:effectLst/>
+                <a:latin typeface="Consolas" panose="020B0609020204030204" pitchFamily="49" charset="0"/>
+              </a:rPr>
+              <a:t>old.customer_guid</a:t>
+            </a:r>
+            <a:r>
+              <a:rPr lang="en-US" sz="1400" b="0" i="0" dirty="0">
+                <a:solidFill>
+                  <a:srgbClr val="222222"/>
+                </a:solidFill>
+                <a:effectLst/>
+                <a:latin typeface="Consolas" panose="020B0609020204030204" pitchFamily="49" charset="0"/>
+              </a:rPr>
+              <a:t>, </a:t>
+            </a:r>
+            <a:r>
+              <a:rPr lang="en-US" sz="1400" b="0" i="0" dirty="0" err="1">
+                <a:solidFill>
+                  <a:srgbClr val="222222"/>
+                </a:solidFill>
+                <a:effectLst/>
+                <a:latin typeface="Consolas" panose="020B0609020204030204" pitchFamily="49" charset="0"/>
+              </a:rPr>
+              <a:t>old.init_insert_ts</a:t>
+            </a:r>
+            <a:r>
+              <a:rPr lang="en-US" sz="1400" b="0" i="0" dirty="0">
+                <a:solidFill>
+                  <a:srgbClr val="222222"/>
+                </a:solidFill>
+                <a:effectLst/>
+                <a:latin typeface="Consolas" panose="020B0609020204030204" pitchFamily="49" charset="0"/>
+              </a:rPr>
+              <a:t>, </a:t>
+            </a:r>
+            <a:r>
+              <a:rPr lang="en-US" sz="1400" b="0" i="0" dirty="0" err="1">
+                <a:solidFill>
+                  <a:srgbClr val="222222"/>
+                </a:solidFill>
+                <a:effectLst/>
+                <a:latin typeface="Consolas" panose="020B0609020204030204" pitchFamily="49" charset="0"/>
+              </a:rPr>
+              <a:t>old.last_mdfy_ts</a:t>
+            </a:r>
+            <a:r>
+              <a:rPr lang="en-US" sz="1400" b="0" i="0" dirty="0">
+                <a:solidFill>
+                  <a:srgbClr val="222222"/>
+                </a:solidFill>
+                <a:effectLst/>
+                <a:latin typeface="Consolas" panose="020B0609020204030204" pitchFamily="49" charset="0"/>
+              </a:rPr>
+              <a:t>, </a:t>
+            </a:r>
+          </a:p>
+          <a:p>
+            <a:r>
+              <a:rPr lang="en-US" sz="1400" b="0" i="0" dirty="0">
+                <a:solidFill>
+                  <a:srgbClr val="222222"/>
+                </a:solidFill>
+                <a:effectLst/>
+                <a:latin typeface="Consolas" panose="020B0609020204030204" pitchFamily="49" charset="0"/>
+              </a:rPr>
+              <a:t>	</a:t>
+            </a:r>
+            <a:r>
+              <a:rPr lang="en-US" sz="1400" b="0" i="0" dirty="0" err="1">
+                <a:solidFill>
+                  <a:srgbClr val="222222"/>
+                </a:solidFill>
+                <a:effectLst/>
+                <a:latin typeface="Consolas" panose="020B0609020204030204" pitchFamily="49" charset="0"/>
+              </a:rPr>
+              <a:t>old.last_mdfy_user</a:t>
+            </a:r>
+            <a:r>
+              <a:rPr lang="en-US" sz="1400" b="0" i="0" dirty="0">
+                <a:solidFill>
+                  <a:srgbClr val="222222"/>
+                </a:solidFill>
+                <a:effectLst/>
+                <a:latin typeface="Consolas" panose="020B0609020204030204" pitchFamily="49" charset="0"/>
+              </a:rPr>
+              <a:t>, </a:t>
+            </a:r>
+            <a:r>
+              <a:rPr lang="en-US" sz="1400" b="0" i="0" dirty="0" err="1">
+                <a:solidFill>
+                  <a:srgbClr val="222222"/>
+                </a:solidFill>
+                <a:effectLst/>
+                <a:latin typeface="Consolas" panose="020B0609020204030204" pitchFamily="49" charset="0"/>
+              </a:rPr>
+              <a:t>old.last_mdfy_prog</a:t>
+            </a:r>
+            <a:r>
+              <a:rPr lang="en-US" sz="1400" b="0" i="0" dirty="0">
+                <a:solidFill>
+                  <a:srgbClr val="222222"/>
+                </a:solidFill>
+                <a:effectLst/>
+                <a:latin typeface="Consolas" panose="020B0609020204030204" pitchFamily="49" charset="0"/>
+              </a:rPr>
+              <a:t>);</a:t>
+            </a:r>
+          </a:p>
+          <a:p>
+            <a:r>
+              <a:rPr lang="en-US" sz="1400" b="0" i="0" dirty="0">
+                <a:solidFill>
+                  <a:srgbClr val="222222"/>
+                </a:solidFill>
+                <a:effectLst/>
+                <a:latin typeface="Consolas" panose="020B0609020204030204" pitchFamily="49" charset="0"/>
+              </a:rPr>
+              <a:t>  </a:t>
+            </a:r>
+            <a:r>
+              <a:rPr lang="en-US" sz="1400" b="0" i="0" dirty="0">
+                <a:solidFill>
+                  <a:srgbClr val="FF0000"/>
+                </a:solidFill>
+                <a:effectLst/>
+                <a:latin typeface="Consolas" panose="020B0609020204030204" pitchFamily="49" charset="0"/>
+              </a:rPr>
+              <a:t>END</a:t>
+            </a:r>
+            <a:r>
+              <a:rPr lang="en-US" sz="1400" b="0" i="0" dirty="0">
+                <a:solidFill>
+                  <a:srgbClr val="222222"/>
+                </a:solidFill>
+                <a:effectLst/>
+                <a:latin typeface="Consolas" panose="020B0609020204030204" pitchFamily="49" charset="0"/>
+              </a:rPr>
+              <a:t>;</a:t>
+            </a:r>
+            <a:endParaRPr lang="en-US" sz="1400" dirty="0">
+              <a:solidFill>
+                <a:srgbClr val="222222"/>
+              </a:solidFill>
+              <a:latin typeface="Consolas" panose="020B0609020204030204" pitchFamily="49" charset="0"/>
+            </a:endParaRPr>
+          </a:p>
+        </p:txBody>
+      </p:sp>
+    </p:spTree>
+    <p:extLst>
+      <p:ext uri="{BB962C8B-B14F-4D97-AF65-F5344CB8AC3E}">
+        <p14:creationId xmlns:p14="http://schemas.microsoft.com/office/powerpoint/2010/main" val="1887216447"/>
+      </p:ext>
+    </p:extLst>
+  </p:cSld>
+  <p:clrMapOvr>
+    <a:masterClrMapping/>
+  </p:clrMapOvr>
+  <mc:AlternateContent xmlns:mc="http://schemas.openxmlformats.org/markup-compatibility/2006">
+    <mc:Choice xmlns:p14="http://schemas.microsoft.com/office/powerpoint/2010/main" Requires="p14">
+      <p:transition spd="med" p14:dur="700">
+        <p:fade/>
+      </p:transition>
+    </mc:Choice>
+    <mc:Fallback>
+      <p:transition spd="med">
+        <p:fade/>
+      </p:transition>
+    </mc:Fallback>
+  </mc:AlternateContent>
+</p:sld>
+</file>
+
+<file path=ppt/slides/slide32.xml><?xml version="1.0" encoding="utf-8"?>
+<p:sld xmlns:a="http://schemas.openxmlformats.org/drawingml/2006/main" xmlns:r="http://schemas.openxmlformats.org/officeDocument/2006/relationships" xmlns:p="http://schemas.openxmlformats.org/presentationml/2006/main">
+  <p:cSld>
+    <p:bg>
+      <p:bgPr>
+        <a:solidFill>
+          <a:schemeClr val="bg1"/>
+        </a:solidFill>
+        <a:effectLst/>
+      </p:bgPr>
+    </p:bg>
+    <p:spTree>
+      <p:nvGrpSpPr>
+        <p:cNvPr id="1" name=""/>
+        <p:cNvGrpSpPr/>
+        <p:nvPr/>
+      </p:nvGrpSpPr>
+      <p:grpSpPr>
+        <a:xfrm>
+          <a:off x="0" y="0"/>
+          <a:ext cx="0" cy="0"/>
+          <a:chOff x="0" y="0"/>
+          <a:chExt cx="0" cy="0"/>
+        </a:xfrm>
+      </p:grpSpPr>
+      <p:sp useBgFill="1">
+        <p:nvSpPr>
+          <p:cNvPr id="10" name="Rectangle 9">
+            <a:extLst>
+              <a:ext uri="{FF2B5EF4-FFF2-40B4-BE49-F238E27FC236}">
+                <a16:creationId xmlns:a16="http://schemas.microsoft.com/office/drawing/2014/main" id="{EE1530B0-6F96-46C0-8B3E-3215CB756BE4}"/>
+              </a:ext>
+              <a:ext uri="{C183D7F6-B498-43B3-948B-1728B52AA6E4}">
+                <adec:decorative xmlns:adec="http://schemas.microsoft.com/office/drawing/2017/decorative" val="1"/>
+              </a:ext>
+            </a:extLst>
+          </p:cNvPr>
+          <p:cNvSpPr>
+            <a:spLocks noGrp="1" noRot="1" noChangeAspect="1" noMove="1" noResize="1" noEditPoints="1" noAdjustHandles="1" noChangeArrowheads="1" noChangeShapeType="1" noTextEdit="1"/>
+          </p:cNvSpPr>
+          <p:nvPr>
+            <p:extLst>
+              <p:ext uri="{386F3935-93C4-4BCD-93E2-E3B085C9AB24}">
+                <p16:designElem xmlns:p16="http://schemas.microsoft.com/office/powerpoint/2015/main" val="1"/>
+              </p:ext>
+            </p:extLst>
+          </p:nvPr>
+        </p:nvSpPr>
+        <p:spPr>
+          <a:xfrm>
+            <a:off x="5685" y="0"/>
+            <a:ext cx="12186315" cy="6858000"/>
+          </a:xfrm>
+          <a:prstGeom prst="rect">
+            <a:avLst/>
+          </a:prstGeom>
+          <a:ln>
+            <a:noFill/>
+          </a:ln>
+        </p:spPr>
+        <p:style>
+          <a:lnRef idx="2">
+            <a:schemeClr val="accent6">
+              <a:shade val="50000"/>
+            </a:schemeClr>
+          </a:lnRef>
+          <a:fillRef idx="1001">
+            <a:schemeClr val="lt1"/>
+          </a:fillRef>
+          <a:effectRef idx="0">
+            <a:schemeClr val="accent6"/>
+          </a:effectRef>
+          <a:fontRef idx="minor">
+            <a:schemeClr val="lt1"/>
+          </a:fontRef>
+        </p:style>
+        <p:txBody>
+          <a:bodyPr rtlCol="0" anchor="ctr"/>
+          <a:lstStyle/>
+          <a:p>
+            <a:pPr marL="0" marR="0" lvl="0" indent="0" algn="ctr" defTabSz="914400" rtl="0" eaLnBrk="1" fontAlgn="auto" latinLnBrk="0" hangingPunct="1">
+              <a:lnSpc>
+                <a:spcPct val="100000"/>
+              </a:lnSpc>
+              <a:spcBef>
+                <a:spcPts val="0"/>
+              </a:spcBef>
+              <a:spcAft>
+                <a:spcPts val="0"/>
+              </a:spcAft>
+              <a:buClrTx/>
+              <a:buSzTx/>
+              <a:buFontTx/>
+              <a:buNone/>
+              <a:tabLst/>
+              <a:defRPr/>
+            </a:pPr>
+            <a:endParaRPr kumimoji="0" lang="en-US" sz="1800" b="0" i="0" u="none" strike="noStrike" kern="1200" cap="none" spc="0" normalizeH="0" baseline="0" noProof="0" dirty="0">
+              <a:ln>
+                <a:noFill/>
+              </a:ln>
+              <a:solidFill>
+                <a:prstClr val="white"/>
+              </a:solidFill>
+              <a:effectLst/>
+              <a:uLnTx/>
+              <a:uFillTx/>
+              <a:latin typeface="Franklin Gothic Book" panose="020F0502020204030204"/>
+              <a:ea typeface="+mn-ea"/>
+              <a:cs typeface="+mn-cs"/>
+            </a:endParaRPr>
+          </a:p>
+        </p:txBody>
+      </p:sp>
+      <p:sp>
+        <p:nvSpPr>
+          <p:cNvPr id="12" name="Rectangle 11">
+            <a:extLst>
+              <a:ext uri="{FF2B5EF4-FFF2-40B4-BE49-F238E27FC236}">
+                <a16:creationId xmlns:a16="http://schemas.microsoft.com/office/drawing/2014/main" id="{754910CF-1B56-45D3-960A-E89F7B3B9131}"/>
+              </a:ext>
+              <a:ext uri="{C183D7F6-B498-43B3-948B-1728B52AA6E4}">
+                <adec:decorative xmlns:adec="http://schemas.microsoft.com/office/drawing/2017/decorative" val="1"/>
+              </a:ext>
+            </a:extLst>
+          </p:cNvPr>
+          <p:cNvSpPr>
+            <a:spLocks noGrp="1" noRot="1" noChangeAspect="1" noMove="1" noResize="1" noEditPoints="1" noAdjustHandles="1" noChangeArrowheads="1" noChangeShapeType="1" noTextEdit="1"/>
+          </p:cNvSpPr>
+          <p:nvPr>
+            <p:extLst>
+              <p:ext uri="{386F3935-93C4-4BCD-93E2-E3B085C9AB24}">
+                <p16:designElem xmlns:p16="http://schemas.microsoft.com/office/powerpoint/2015/main" val="1"/>
+              </p:ext>
+            </p:extLst>
+          </p:nvPr>
+        </p:nvSpPr>
+        <p:spPr>
+          <a:xfrm>
+            <a:off x="16" y="0"/>
+            <a:ext cx="4050791" cy="6858000"/>
+          </a:xfrm>
+          <a:prstGeom prst="rect">
+            <a:avLst/>
+          </a:prstGeom>
+          <a:solidFill>
+            <a:schemeClr val="tx1">
+              <a:lumMod val="85000"/>
+              <a:lumOff val="15000"/>
+            </a:schemeClr>
+          </a:solidFill>
+          <a:ln>
+            <a:noFill/>
+          </a:ln>
+        </p:spPr>
+        <p:style>
+          <a:lnRef idx="2">
+            <a:schemeClr val="accent1">
+              <a:shade val="50000"/>
+            </a:schemeClr>
+          </a:lnRef>
+          <a:fillRef idx="1">
+            <a:schemeClr val="accent1"/>
+          </a:fillRef>
+          <a:effectRef idx="0">
+            <a:schemeClr val="accent1"/>
+          </a:effectRef>
+          <a:fontRef idx="minor">
+            <a:schemeClr val="lt1"/>
+          </a:fontRef>
+        </p:style>
+      </p:sp>
+      <p:sp>
+        <p:nvSpPr>
+          <p:cNvPr id="2" name="Title 1">
+            <a:extLst>
+              <a:ext uri="{FF2B5EF4-FFF2-40B4-BE49-F238E27FC236}">
+                <a16:creationId xmlns:a16="http://schemas.microsoft.com/office/drawing/2014/main" id="{0AE422CB-EBC9-4703-870C-8981A495893A}"/>
+              </a:ext>
+            </a:extLst>
+          </p:cNvPr>
+          <p:cNvSpPr>
+            <a:spLocks noGrp="1"/>
+          </p:cNvSpPr>
+          <p:nvPr>
+            <p:ph type="title"/>
+          </p:nvPr>
+        </p:nvSpPr>
+        <p:spPr>
+          <a:xfrm>
+            <a:off x="492370" y="516835"/>
+            <a:ext cx="3084844" cy="5772840"/>
+          </a:xfrm>
+        </p:spPr>
+        <p:txBody>
+          <a:bodyPr anchor="ctr">
+            <a:normAutofit/>
+          </a:bodyPr>
+          <a:lstStyle/>
+          <a:p>
+            <a:r>
+              <a:rPr lang="en-US" sz="3600" dirty="0">
+                <a:solidFill>
+                  <a:schemeClr val="bg1"/>
+                </a:solidFill>
+              </a:rPr>
+              <a:t>DELETE Trigger Example</a:t>
+            </a:r>
+            <a:endParaRPr lang="en-US" sz="2400" dirty="0">
+              <a:solidFill>
+                <a:schemeClr val="bg1"/>
+              </a:solidFill>
+            </a:endParaRPr>
+          </a:p>
+        </p:txBody>
+      </p:sp>
+      <p:sp>
+        <p:nvSpPr>
+          <p:cNvPr id="7" name="TextBox 6">
+            <a:extLst>
+              <a:ext uri="{FF2B5EF4-FFF2-40B4-BE49-F238E27FC236}">
+                <a16:creationId xmlns:a16="http://schemas.microsoft.com/office/drawing/2014/main" id="{BFB26191-3737-4634-AC06-BA7B8215028A}"/>
+              </a:ext>
+            </a:extLst>
+          </p:cNvPr>
+          <p:cNvSpPr txBox="1"/>
+          <p:nvPr/>
+        </p:nvSpPr>
+        <p:spPr>
+          <a:xfrm>
+            <a:off x="4410488" y="2186070"/>
+            <a:ext cx="7665555" cy="2246769"/>
+          </a:xfrm>
+          <a:prstGeom prst="rect">
+            <a:avLst/>
+          </a:prstGeom>
+          <a:noFill/>
+        </p:spPr>
+        <p:txBody>
+          <a:bodyPr wrap="square">
+            <a:spAutoFit/>
+          </a:bodyPr>
+          <a:lstStyle/>
+          <a:p>
+            <a:r>
+              <a:rPr lang="en-US" sz="1400" i="0" dirty="0">
+                <a:solidFill>
+                  <a:srgbClr val="FF0000"/>
+                </a:solidFill>
+                <a:effectLst/>
+                <a:latin typeface="Consolas" panose="020B0609020204030204" pitchFamily="49" charset="0"/>
+              </a:rPr>
+              <a:t>CREATE TRIGGER </a:t>
+            </a:r>
+            <a:r>
+              <a:rPr lang="en-US" sz="1400" b="0" i="0" dirty="0" err="1">
+                <a:solidFill>
+                  <a:srgbClr val="222222"/>
+                </a:solidFill>
+                <a:effectLst/>
+                <a:latin typeface="Consolas" panose="020B0609020204030204" pitchFamily="49" charset="0"/>
+              </a:rPr>
+              <a:t>delete_customer</a:t>
+            </a:r>
+            <a:r>
+              <a:rPr lang="en-US" sz="1400" b="0" i="0" dirty="0">
+                <a:solidFill>
+                  <a:srgbClr val="222222"/>
+                </a:solidFill>
+                <a:effectLst/>
+                <a:latin typeface="Consolas" panose="020B0609020204030204" pitchFamily="49" charset="0"/>
+              </a:rPr>
+              <a:t> </a:t>
+            </a:r>
+            <a:r>
+              <a:rPr lang="en-US" sz="1400" b="0" i="0" dirty="0">
+                <a:solidFill>
+                  <a:srgbClr val="FF0000"/>
+                </a:solidFill>
+                <a:effectLst/>
+                <a:latin typeface="Consolas" panose="020B0609020204030204" pitchFamily="49" charset="0"/>
+              </a:rPr>
+              <a:t>BEFORE DELETE ON </a:t>
+            </a:r>
+            <a:r>
+              <a:rPr lang="en-US" sz="1400" b="0" i="0" dirty="0">
+                <a:solidFill>
+                  <a:srgbClr val="222222"/>
+                </a:solidFill>
+                <a:effectLst/>
+                <a:latin typeface="Consolas" panose="020B0609020204030204" pitchFamily="49" charset="0"/>
+              </a:rPr>
+              <a:t>customer </a:t>
+            </a:r>
+          </a:p>
+          <a:p>
+            <a:r>
+              <a:rPr lang="en-US" sz="1400" b="0" i="0" dirty="0">
+                <a:solidFill>
+                  <a:srgbClr val="222222"/>
+                </a:solidFill>
+                <a:effectLst/>
+                <a:latin typeface="Consolas" panose="020B0609020204030204" pitchFamily="49" charset="0"/>
+              </a:rPr>
+              <a:t>  </a:t>
+            </a:r>
+            <a:r>
+              <a:rPr lang="en-US" sz="1400" b="0" i="0" dirty="0">
+                <a:solidFill>
+                  <a:srgbClr val="FF0000"/>
+                </a:solidFill>
+                <a:effectLst/>
+                <a:latin typeface="Consolas" panose="020B0609020204030204" pitchFamily="49" charset="0"/>
+              </a:rPr>
+              <a:t>BEGIN</a:t>
+            </a:r>
+          </a:p>
+          <a:p>
+            <a:r>
+              <a:rPr lang="en-US" sz="1400" b="0" i="0" dirty="0">
+                <a:solidFill>
+                  <a:srgbClr val="222222"/>
+                </a:solidFill>
+                <a:effectLst/>
+                <a:latin typeface="Consolas" panose="020B0609020204030204" pitchFamily="49" charset="0"/>
+              </a:rPr>
+              <a:t>    </a:t>
+            </a:r>
+            <a:r>
+              <a:rPr lang="en-US" sz="1400" b="0" i="0" dirty="0">
+                <a:solidFill>
+                  <a:srgbClr val="00B050"/>
+                </a:solidFill>
+                <a:effectLst/>
+                <a:latin typeface="Consolas" panose="020B0609020204030204" pitchFamily="49" charset="0"/>
+              </a:rPr>
+              <a:t>INSERT INTO </a:t>
+            </a:r>
+            <a:r>
+              <a:rPr lang="en-US" sz="1400" b="0" i="0" dirty="0" err="1">
+                <a:solidFill>
+                  <a:srgbClr val="222222"/>
+                </a:solidFill>
+                <a:effectLst/>
+                <a:latin typeface="Consolas" panose="020B0609020204030204" pitchFamily="49" charset="0"/>
+              </a:rPr>
+              <a:t>customer_audit</a:t>
+            </a:r>
+            <a:r>
+              <a:rPr lang="en-US" sz="1400" b="0" i="0" dirty="0">
+                <a:solidFill>
+                  <a:srgbClr val="222222"/>
+                </a:solidFill>
+                <a:effectLst/>
+                <a:latin typeface="Consolas" panose="020B0609020204030204" pitchFamily="49" charset="0"/>
+              </a:rPr>
+              <a:t> (</a:t>
+            </a:r>
+            <a:r>
+              <a:rPr lang="en-US" sz="1400" b="0" i="0" dirty="0" err="1">
+                <a:solidFill>
+                  <a:srgbClr val="222222"/>
+                </a:solidFill>
+                <a:effectLst/>
+                <a:latin typeface="Consolas" panose="020B0609020204030204" pitchFamily="49" charset="0"/>
+              </a:rPr>
+              <a:t>customer_id</a:t>
+            </a:r>
+            <a:r>
+              <a:rPr lang="en-US" sz="1400" b="0" i="0" dirty="0">
+                <a:solidFill>
+                  <a:srgbClr val="222222"/>
+                </a:solidFill>
+                <a:effectLst/>
+                <a:latin typeface="Consolas" panose="020B0609020204030204" pitchFamily="49" charset="0"/>
+              </a:rPr>
+              <a:t>, </a:t>
+            </a:r>
+            <a:r>
+              <a:rPr lang="en-US" sz="1400" b="0" i="0" dirty="0" err="1">
+                <a:solidFill>
+                  <a:srgbClr val="222222"/>
+                </a:solidFill>
+                <a:effectLst/>
+                <a:latin typeface="Consolas" panose="020B0609020204030204" pitchFamily="49" charset="0"/>
+              </a:rPr>
+              <a:t>customer_id</a:t>
+            </a:r>
+            <a:r>
+              <a:rPr lang="en-US" sz="1400" b="0" i="0" dirty="0">
+                <a:solidFill>
+                  <a:srgbClr val="222222"/>
+                </a:solidFill>
+                <a:effectLst/>
+                <a:latin typeface="Consolas" panose="020B0609020204030204" pitchFamily="49" charset="0"/>
+              </a:rPr>
+              <a:t>, </a:t>
+            </a:r>
+            <a:r>
+              <a:rPr lang="en-US" sz="1400" b="0" i="0" dirty="0" err="1">
+                <a:solidFill>
+                  <a:srgbClr val="222222"/>
+                </a:solidFill>
+                <a:effectLst/>
+                <a:latin typeface="Consolas" panose="020B0609020204030204" pitchFamily="49" charset="0"/>
+              </a:rPr>
+              <a:t>ctry_cd</a:t>
+            </a:r>
+            <a:r>
+              <a:rPr lang="en-US" sz="1400" b="0" i="0" dirty="0">
+                <a:solidFill>
+                  <a:srgbClr val="222222"/>
+                </a:solidFill>
+                <a:effectLst/>
+                <a:latin typeface="Consolas" panose="020B0609020204030204" pitchFamily="49" charset="0"/>
+              </a:rPr>
+              <a:t>, 	</a:t>
+            </a:r>
+            <a:r>
+              <a:rPr lang="en-US" sz="1400" b="0" i="0" dirty="0" err="1">
+                <a:solidFill>
+                  <a:srgbClr val="222222"/>
+                </a:solidFill>
+                <a:effectLst/>
+                <a:latin typeface="Consolas" panose="020B0609020204030204" pitchFamily="49" charset="0"/>
+              </a:rPr>
+              <a:t>customer_name</a:t>
+            </a:r>
+            <a:r>
+              <a:rPr lang="en-US" sz="1400" b="0" i="0" dirty="0">
+                <a:solidFill>
+                  <a:srgbClr val="222222"/>
+                </a:solidFill>
+                <a:effectLst/>
+                <a:latin typeface="Consolas" panose="020B0609020204030204" pitchFamily="49" charset="0"/>
+              </a:rPr>
+              <a:t>, </a:t>
+            </a:r>
+            <a:r>
+              <a:rPr lang="en-US" sz="1400" b="0" i="0" dirty="0" err="1">
+                <a:solidFill>
+                  <a:srgbClr val="222222"/>
+                </a:solidFill>
+                <a:effectLst/>
+                <a:latin typeface="Consolas" panose="020B0609020204030204" pitchFamily="49" charset="0"/>
+              </a:rPr>
+              <a:t>phone_no</a:t>
+            </a:r>
+            <a:r>
+              <a:rPr lang="en-US" sz="1400" b="0" i="0" dirty="0">
+                <a:solidFill>
+                  <a:srgbClr val="222222"/>
+                </a:solidFill>
+                <a:effectLst/>
+                <a:latin typeface="Consolas" panose="020B0609020204030204" pitchFamily="49" charset="0"/>
+              </a:rPr>
+              <a:t>, </a:t>
+            </a:r>
+            <a:r>
+              <a:rPr lang="en-US" sz="1400" b="0" i="0" dirty="0" err="1">
+                <a:solidFill>
+                  <a:srgbClr val="222222"/>
+                </a:solidFill>
+                <a:effectLst/>
+                <a:latin typeface="Consolas" panose="020B0609020204030204" pitchFamily="49" charset="0"/>
+              </a:rPr>
+              <a:t>phone_type</a:t>
+            </a:r>
+            <a:r>
+              <a:rPr lang="en-US" sz="1400" b="0" i="0" dirty="0">
+                <a:solidFill>
+                  <a:srgbClr val="222222"/>
+                </a:solidFill>
+                <a:effectLst/>
+                <a:latin typeface="Consolas" panose="020B0609020204030204" pitchFamily="49" charset="0"/>
+              </a:rPr>
+              <a:t>, </a:t>
+            </a:r>
+            <a:r>
+              <a:rPr lang="en-US" sz="1400" b="0" i="0" dirty="0" err="1">
+                <a:solidFill>
+                  <a:srgbClr val="222222"/>
+                </a:solidFill>
+                <a:effectLst/>
+                <a:latin typeface="Consolas" panose="020B0609020204030204" pitchFamily="49" charset="0"/>
+              </a:rPr>
+              <a:t>email_ad</a:t>
+            </a:r>
+            <a:r>
+              <a:rPr lang="en-US" sz="1400" b="0" i="0" dirty="0">
+                <a:solidFill>
+                  <a:srgbClr val="222222"/>
+                </a:solidFill>
+                <a:effectLst/>
+                <a:latin typeface="Consolas" panose="020B0609020204030204" pitchFamily="49" charset="0"/>
+              </a:rPr>
+              <a:t>, </a:t>
+            </a:r>
+            <a:r>
+              <a:rPr lang="en-US" sz="1400" b="0" i="0" dirty="0" err="1">
+                <a:solidFill>
+                  <a:srgbClr val="222222"/>
+                </a:solidFill>
+                <a:effectLst/>
+                <a:latin typeface="Consolas" panose="020B0609020204030204" pitchFamily="49" charset="0"/>
+              </a:rPr>
+              <a:t>customer_guid</a:t>
+            </a:r>
+            <a:r>
+              <a:rPr lang="en-US" sz="1400" b="0" i="0" dirty="0">
+                <a:solidFill>
+                  <a:srgbClr val="222222"/>
+                </a:solidFill>
+                <a:effectLst/>
+                <a:latin typeface="Consolas" panose="020B0609020204030204" pitchFamily="49" charset="0"/>
+              </a:rPr>
+              <a:t>, 	</a:t>
+            </a:r>
+            <a:r>
+              <a:rPr lang="en-US" sz="1400" b="0" i="0" dirty="0" err="1">
+                <a:solidFill>
+                  <a:srgbClr val="222222"/>
+                </a:solidFill>
+                <a:effectLst/>
+                <a:latin typeface="Consolas" panose="020B0609020204030204" pitchFamily="49" charset="0"/>
+              </a:rPr>
+              <a:t>init_insert_ts</a:t>
+            </a:r>
+            <a:r>
+              <a:rPr lang="en-US" sz="1400" b="0" i="0" dirty="0">
+                <a:solidFill>
+                  <a:srgbClr val="222222"/>
+                </a:solidFill>
+                <a:effectLst/>
+                <a:latin typeface="Consolas" panose="020B0609020204030204" pitchFamily="49" charset="0"/>
+              </a:rPr>
+              <a:t>, </a:t>
+            </a:r>
+            <a:r>
+              <a:rPr lang="en-US" sz="1400" b="0" i="0" dirty="0" err="1">
+                <a:solidFill>
+                  <a:srgbClr val="222222"/>
+                </a:solidFill>
+                <a:effectLst/>
+                <a:latin typeface="Consolas" panose="020B0609020204030204" pitchFamily="49" charset="0"/>
+              </a:rPr>
+              <a:t>last_mdfy_ts</a:t>
+            </a:r>
+            <a:r>
+              <a:rPr lang="en-US" sz="1400" b="0" i="0" dirty="0">
+                <a:solidFill>
+                  <a:srgbClr val="222222"/>
+                </a:solidFill>
+                <a:effectLst/>
+                <a:latin typeface="Consolas" panose="020B0609020204030204" pitchFamily="49" charset="0"/>
+              </a:rPr>
+              <a:t>, </a:t>
+            </a:r>
+            <a:r>
+              <a:rPr lang="en-US" sz="1400" b="0" i="0" dirty="0" err="1">
+                <a:solidFill>
+                  <a:srgbClr val="222222"/>
+                </a:solidFill>
+                <a:effectLst/>
+                <a:latin typeface="Consolas" panose="020B0609020204030204" pitchFamily="49" charset="0"/>
+              </a:rPr>
+              <a:t>last_mdfy_user</a:t>
+            </a:r>
+            <a:r>
+              <a:rPr lang="en-US" sz="1400" b="0" i="0" dirty="0">
+                <a:solidFill>
+                  <a:srgbClr val="222222"/>
+                </a:solidFill>
+                <a:effectLst/>
+                <a:latin typeface="Consolas" panose="020B0609020204030204" pitchFamily="49" charset="0"/>
+              </a:rPr>
+              <a:t>, </a:t>
+            </a:r>
+            <a:r>
+              <a:rPr lang="en-US" sz="1400" b="0" i="0" dirty="0" err="1">
+                <a:solidFill>
+                  <a:srgbClr val="222222"/>
+                </a:solidFill>
+                <a:effectLst/>
+                <a:latin typeface="Consolas" panose="020B0609020204030204" pitchFamily="49" charset="0"/>
+              </a:rPr>
+              <a:t>last_mdfy_prog</a:t>
+            </a:r>
+            <a:r>
+              <a:rPr lang="en-US" sz="1400" b="0" i="0" dirty="0">
+                <a:solidFill>
+                  <a:srgbClr val="222222"/>
+                </a:solidFill>
+                <a:effectLst/>
+                <a:latin typeface="Consolas" panose="020B0609020204030204" pitchFamily="49" charset="0"/>
+              </a:rPr>
+              <a:t>)</a:t>
+            </a:r>
+          </a:p>
+          <a:p>
+            <a:r>
+              <a:rPr lang="en-US" sz="1400" dirty="0">
+                <a:solidFill>
+                  <a:srgbClr val="222222"/>
+                </a:solidFill>
+                <a:latin typeface="Consolas" panose="020B0609020204030204" pitchFamily="49" charset="0"/>
+              </a:rPr>
+              <a:t>    </a:t>
+            </a:r>
+            <a:r>
+              <a:rPr lang="en-US" sz="1400" b="0" i="0" dirty="0">
+                <a:solidFill>
+                  <a:srgbClr val="00B050"/>
+                </a:solidFill>
+                <a:effectLst/>
+                <a:latin typeface="Consolas" panose="020B0609020204030204" pitchFamily="49" charset="0"/>
+              </a:rPr>
+              <a:t>VALUES</a:t>
+            </a:r>
+            <a:r>
+              <a:rPr lang="en-US" sz="1400" b="0" i="0" dirty="0">
+                <a:solidFill>
+                  <a:srgbClr val="222222"/>
+                </a:solidFill>
+                <a:effectLst/>
+                <a:latin typeface="Consolas" panose="020B0609020204030204" pitchFamily="49" charset="0"/>
+              </a:rPr>
+              <a:t> (</a:t>
+            </a:r>
+            <a:r>
+              <a:rPr lang="en-US" sz="1400" b="0" i="0" dirty="0" err="1">
+                <a:solidFill>
+                  <a:srgbClr val="222222"/>
+                </a:solidFill>
+                <a:effectLst/>
+                <a:latin typeface="Consolas" panose="020B0609020204030204" pitchFamily="49" charset="0"/>
+              </a:rPr>
+              <a:t>old.customer_id</a:t>
+            </a:r>
+            <a:r>
+              <a:rPr lang="en-US" sz="1400" b="0" i="0" dirty="0">
+                <a:solidFill>
+                  <a:srgbClr val="222222"/>
+                </a:solidFill>
+                <a:effectLst/>
+                <a:latin typeface="Consolas" panose="020B0609020204030204" pitchFamily="49" charset="0"/>
+              </a:rPr>
+              <a:t>, </a:t>
+            </a:r>
+            <a:r>
+              <a:rPr lang="en-US" sz="1400" b="0" i="0" dirty="0" err="1">
+                <a:solidFill>
+                  <a:srgbClr val="222222"/>
+                </a:solidFill>
+                <a:effectLst/>
+                <a:latin typeface="Consolas" panose="020B0609020204030204" pitchFamily="49" charset="0"/>
+              </a:rPr>
+              <a:t>old.customer_id</a:t>
+            </a:r>
+            <a:r>
+              <a:rPr lang="en-US" sz="1400" b="0" i="0" dirty="0">
+                <a:solidFill>
+                  <a:srgbClr val="222222"/>
+                </a:solidFill>
+                <a:effectLst/>
+                <a:latin typeface="Consolas" panose="020B0609020204030204" pitchFamily="49" charset="0"/>
+              </a:rPr>
+              <a:t>, </a:t>
+            </a:r>
+            <a:r>
+              <a:rPr lang="en-US" sz="1400" b="0" i="0" dirty="0" err="1">
+                <a:solidFill>
+                  <a:srgbClr val="222222"/>
+                </a:solidFill>
+                <a:effectLst/>
+                <a:latin typeface="Consolas" panose="020B0609020204030204" pitchFamily="49" charset="0"/>
+              </a:rPr>
+              <a:t>old.ctry_cd</a:t>
+            </a:r>
+            <a:r>
+              <a:rPr lang="en-US" sz="1400" b="0" i="0" dirty="0">
+                <a:solidFill>
+                  <a:srgbClr val="222222"/>
+                </a:solidFill>
+                <a:effectLst/>
+                <a:latin typeface="Consolas" panose="020B0609020204030204" pitchFamily="49" charset="0"/>
+              </a:rPr>
+              <a:t>, 	</a:t>
+            </a:r>
+            <a:r>
+              <a:rPr lang="en-US" sz="1400" b="0" i="0" dirty="0" err="1">
+                <a:solidFill>
+                  <a:srgbClr val="222222"/>
+                </a:solidFill>
+                <a:effectLst/>
+                <a:latin typeface="Consolas" panose="020B0609020204030204" pitchFamily="49" charset="0"/>
+              </a:rPr>
+              <a:t>old.customer_name</a:t>
+            </a:r>
+            <a:r>
+              <a:rPr lang="en-US" sz="1400" b="0" i="0" dirty="0">
+                <a:solidFill>
+                  <a:srgbClr val="222222"/>
+                </a:solidFill>
+                <a:effectLst/>
+                <a:latin typeface="Consolas" panose="020B0609020204030204" pitchFamily="49" charset="0"/>
+              </a:rPr>
+              <a:t>, </a:t>
+            </a:r>
+            <a:r>
+              <a:rPr lang="en-US" sz="1400" b="0" i="0" dirty="0" err="1">
+                <a:solidFill>
+                  <a:srgbClr val="222222"/>
+                </a:solidFill>
+                <a:effectLst/>
+                <a:latin typeface="Consolas" panose="020B0609020204030204" pitchFamily="49" charset="0"/>
+              </a:rPr>
+              <a:t>old.phone_no</a:t>
+            </a:r>
+            <a:r>
+              <a:rPr lang="en-US" sz="1400" b="0" i="0" dirty="0">
+                <a:solidFill>
+                  <a:srgbClr val="222222"/>
+                </a:solidFill>
+                <a:effectLst/>
+                <a:latin typeface="Consolas" panose="020B0609020204030204" pitchFamily="49" charset="0"/>
+              </a:rPr>
+              <a:t>, </a:t>
+            </a:r>
+            <a:r>
+              <a:rPr lang="en-US" sz="1400" b="0" i="0" dirty="0" err="1">
+                <a:solidFill>
+                  <a:srgbClr val="222222"/>
+                </a:solidFill>
+                <a:effectLst/>
+                <a:latin typeface="Consolas" panose="020B0609020204030204" pitchFamily="49" charset="0"/>
+              </a:rPr>
+              <a:t>old.phone_type</a:t>
+            </a:r>
+            <a:r>
+              <a:rPr lang="en-US" sz="1400" b="0" i="0" dirty="0">
+                <a:solidFill>
+                  <a:srgbClr val="222222"/>
+                </a:solidFill>
+                <a:effectLst/>
+                <a:latin typeface="Consolas" panose="020B0609020204030204" pitchFamily="49" charset="0"/>
+              </a:rPr>
+              <a:t>, </a:t>
+            </a:r>
+            <a:r>
+              <a:rPr lang="en-US" sz="1400" b="0" i="0" dirty="0" err="1">
+                <a:solidFill>
+                  <a:srgbClr val="222222"/>
+                </a:solidFill>
+                <a:effectLst/>
+                <a:latin typeface="Consolas" panose="020B0609020204030204" pitchFamily="49" charset="0"/>
+              </a:rPr>
+              <a:t>old.email_ad</a:t>
+            </a:r>
+            <a:r>
+              <a:rPr lang="en-US" sz="1400" b="0" i="0" dirty="0">
+                <a:solidFill>
+                  <a:srgbClr val="222222"/>
+                </a:solidFill>
+                <a:effectLst/>
+                <a:latin typeface="Consolas" panose="020B0609020204030204" pitchFamily="49" charset="0"/>
+              </a:rPr>
+              <a:t>, 	</a:t>
+            </a:r>
+            <a:r>
+              <a:rPr lang="en-US" sz="1400" b="0" i="0" dirty="0" err="1">
+                <a:solidFill>
+                  <a:srgbClr val="222222"/>
+                </a:solidFill>
+                <a:effectLst/>
+                <a:latin typeface="Consolas" panose="020B0609020204030204" pitchFamily="49" charset="0"/>
+              </a:rPr>
+              <a:t>old.customer_guid</a:t>
+            </a:r>
+            <a:r>
+              <a:rPr lang="en-US" sz="1400" b="0" i="0" dirty="0">
+                <a:solidFill>
+                  <a:srgbClr val="222222"/>
+                </a:solidFill>
+                <a:effectLst/>
+                <a:latin typeface="Consolas" panose="020B0609020204030204" pitchFamily="49" charset="0"/>
+              </a:rPr>
+              <a:t>, </a:t>
+            </a:r>
+            <a:r>
+              <a:rPr lang="en-US" sz="1400" b="0" i="0" dirty="0" err="1">
+                <a:solidFill>
+                  <a:srgbClr val="222222"/>
+                </a:solidFill>
+                <a:effectLst/>
+                <a:latin typeface="Consolas" panose="020B0609020204030204" pitchFamily="49" charset="0"/>
+              </a:rPr>
+              <a:t>old.init_insert_ts</a:t>
+            </a:r>
+            <a:r>
+              <a:rPr lang="en-US" sz="1400" b="0" i="0" dirty="0">
+                <a:solidFill>
+                  <a:srgbClr val="222222"/>
+                </a:solidFill>
+                <a:effectLst/>
+                <a:latin typeface="Consolas" panose="020B0609020204030204" pitchFamily="49" charset="0"/>
+              </a:rPr>
+              <a:t>, </a:t>
+            </a:r>
+            <a:r>
+              <a:rPr lang="en-US" sz="1400" b="0" i="0" dirty="0" err="1">
+                <a:solidFill>
+                  <a:srgbClr val="222222"/>
+                </a:solidFill>
+                <a:effectLst/>
+                <a:latin typeface="Consolas" panose="020B0609020204030204" pitchFamily="49" charset="0"/>
+              </a:rPr>
+              <a:t>old.last_mdfy_ts</a:t>
+            </a:r>
+            <a:r>
+              <a:rPr lang="en-US" sz="1400" b="0" i="0" dirty="0">
+                <a:solidFill>
+                  <a:srgbClr val="222222"/>
+                </a:solidFill>
+                <a:effectLst/>
+                <a:latin typeface="Consolas" panose="020B0609020204030204" pitchFamily="49" charset="0"/>
+              </a:rPr>
+              <a:t>, </a:t>
+            </a:r>
+          </a:p>
+          <a:p>
+            <a:r>
+              <a:rPr lang="en-US" sz="1400" b="0" i="0" dirty="0">
+                <a:solidFill>
+                  <a:srgbClr val="222222"/>
+                </a:solidFill>
+                <a:effectLst/>
+                <a:latin typeface="Consolas" panose="020B0609020204030204" pitchFamily="49" charset="0"/>
+              </a:rPr>
+              <a:t>	</a:t>
+            </a:r>
+            <a:r>
+              <a:rPr lang="en-US" sz="1400" b="0" i="0" dirty="0" err="1">
+                <a:solidFill>
+                  <a:srgbClr val="222222"/>
+                </a:solidFill>
+                <a:effectLst/>
+                <a:latin typeface="Consolas" panose="020B0609020204030204" pitchFamily="49" charset="0"/>
+              </a:rPr>
+              <a:t>old.last_mdfy_user</a:t>
+            </a:r>
+            <a:r>
+              <a:rPr lang="en-US" sz="1400" b="0" i="0" dirty="0">
+                <a:solidFill>
+                  <a:srgbClr val="222222"/>
+                </a:solidFill>
+                <a:effectLst/>
+                <a:latin typeface="Consolas" panose="020B0609020204030204" pitchFamily="49" charset="0"/>
+              </a:rPr>
+              <a:t>, </a:t>
+            </a:r>
+            <a:r>
+              <a:rPr lang="en-US" sz="1400" b="0" i="0" dirty="0" err="1">
+                <a:solidFill>
+                  <a:srgbClr val="222222"/>
+                </a:solidFill>
+                <a:effectLst/>
+                <a:latin typeface="Consolas" panose="020B0609020204030204" pitchFamily="49" charset="0"/>
+              </a:rPr>
+              <a:t>old.last_mdfy_prog</a:t>
+            </a:r>
+            <a:r>
+              <a:rPr lang="en-US" sz="1400" b="0" i="0" dirty="0">
+                <a:solidFill>
+                  <a:srgbClr val="222222"/>
+                </a:solidFill>
+                <a:effectLst/>
+                <a:latin typeface="Consolas" panose="020B0609020204030204" pitchFamily="49" charset="0"/>
+              </a:rPr>
+              <a:t>);</a:t>
+            </a:r>
+          </a:p>
+          <a:p>
+            <a:r>
+              <a:rPr lang="en-US" sz="1400" b="0" i="0" dirty="0">
+                <a:solidFill>
+                  <a:srgbClr val="222222"/>
+                </a:solidFill>
+                <a:effectLst/>
+                <a:latin typeface="Consolas" panose="020B0609020204030204" pitchFamily="49" charset="0"/>
+              </a:rPr>
+              <a:t>  </a:t>
+            </a:r>
+            <a:r>
+              <a:rPr lang="en-US" sz="1400" b="0" i="0" dirty="0">
+                <a:solidFill>
+                  <a:srgbClr val="FF0000"/>
+                </a:solidFill>
+                <a:effectLst/>
+                <a:latin typeface="Consolas" panose="020B0609020204030204" pitchFamily="49" charset="0"/>
+              </a:rPr>
+              <a:t>END</a:t>
+            </a:r>
+            <a:r>
+              <a:rPr lang="en-US" sz="1400" b="0" i="0" dirty="0">
+                <a:solidFill>
+                  <a:srgbClr val="222222"/>
+                </a:solidFill>
+                <a:effectLst/>
+                <a:latin typeface="Consolas" panose="020B0609020204030204" pitchFamily="49" charset="0"/>
+              </a:rPr>
+              <a:t>;</a:t>
+            </a:r>
+            <a:endParaRPr lang="en-US" sz="1400" dirty="0">
+              <a:solidFill>
+                <a:srgbClr val="222222"/>
+              </a:solidFill>
+              <a:latin typeface="Consolas" panose="020B0609020204030204" pitchFamily="49" charset="0"/>
+            </a:endParaRPr>
+          </a:p>
+        </p:txBody>
+      </p:sp>
+    </p:spTree>
+    <p:extLst>
+      <p:ext uri="{BB962C8B-B14F-4D97-AF65-F5344CB8AC3E}">
+        <p14:creationId xmlns:p14="http://schemas.microsoft.com/office/powerpoint/2010/main" val="2958189166"/>
+      </p:ext>
+    </p:extLst>
+  </p:cSld>
+  <p:clrMapOvr>
+    <a:masterClrMapping/>
+  </p:clrMapOvr>
+  <mc:AlternateContent xmlns:mc="http://schemas.openxmlformats.org/markup-compatibility/2006">
+    <mc:Choice xmlns:p14="http://schemas.microsoft.com/office/powerpoint/2010/main" Requires="p14">
+      <p:transition spd="med" p14:dur="700">
+        <p:fade/>
+      </p:transition>
+    </mc:Choice>
+    <mc:Fallback>
+      <p:transition spd="med">
+        <p:fade/>
+      </p:transition>
+    </mc:Fallback>
+  </mc:AlternateContent>
+</p:sld>
+</file>
+
+<file path=ppt/slides/slide33.xml><?xml version="1.0" encoding="utf-8"?>
 <p:sld xmlns:a="http://schemas.openxmlformats.org/drawingml/2006/main" xmlns:r="http://schemas.openxmlformats.org/officeDocument/2006/relationships" xmlns:p="http://schemas.openxmlformats.org/presentationml/2006/main">
   <p:cSld>
     <p:spTree>
@@ -44644,7 +48962,7 @@
 </p:sld>
 </file>
 
-<file path=ppt/slides/slide31.xml><?xml version="1.0" encoding="utf-8"?>
+<file path=ppt/slides/slide34.xml><?xml version="1.0" encoding="utf-8"?>
 <p:sld xmlns:a="http://schemas.openxmlformats.org/drawingml/2006/main" xmlns:r="http://schemas.openxmlformats.org/officeDocument/2006/relationships" xmlns:p="http://schemas.openxmlformats.org/presentationml/2006/main">
   <p:cSld>
     <p:spTree>
@@ -45080,7 +49398,7 @@
 </p:sld>
 </file>
 
-<file path=ppt/slides/slide32.xml><?xml version="1.0" encoding="utf-8"?>
+<file path=ppt/slides/slide35.xml><?xml version="1.0" encoding="utf-8"?>
 <p:sld xmlns:a="http://schemas.openxmlformats.org/drawingml/2006/main" xmlns:r="http://schemas.openxmlformats.org/officeDocument/2006/relationships" xmlns:p="http://schemas.openxmlformats.org/presentationml/2006/main">
   <p:cSld>
     <p:spTree>
@@ -45173,7 +49491,7 @@
         <p:spPr>
           <a:xfrm>
             <a:off x="1232452" y="2108201"/>
-            <a:ext cx="9862268" cy="3046988"/>
+            <a:ext cx="9862268" cy="3416320"/>
           </a:xfrm>
           <a:prstGeom prst="rect">
             <a:avLst/>
@@ -45186,17 +49504,19 @@
           </a:bodyPr>
           <a:lstStyle/>
           <a:p>
-            <a:pPr lvl="0">
+            <a:pPr marL="342900" lvl="0" indent="-342900">
               <a:lnSpc>
                 <a:spcPct val="100000"/>
               </a:lnSpc>
+              <a:buFont typeface="Arial" panose="020B0604020202020204" pitchFamily="34" charset="0"/>
+              <a:buChar char="•"/>
             </a:pPr>
             <a:r>
               <a:rPr lang="en-US" sz="2400" dirty="0"/>
-              <a:t>Project Source with Presentation (ppt) - </a:t>
-            </a:r>
-            <a:r>
-              <a:rPr lang="en-US" sz="1600" dirty="0">
+              <a:t>Project Source - </a:t>
+            </a:r>
+            <a:r>
+              <a:rPr lang="en-US" sz="2000" dirty="0">
                 <a:hlinkClick r:id="rId7"/>
               </a:rPr>
               <a:t>https://github.com/newfound-systems/JdbcExample</a:t>
@@ -45281,15 +49601,22 @@
             </a:pPr>
             <a:r>
               <a:rPr lang="en-US" sz="2400" dirty="0"/>
-              <a:t>JDBC Wiki - </a:t>
+              <a:t>SQLite Trigger </a:t>
+            </a:r>
+            <a:r>
+              <a:rPr lang="en-US" sz="2000" dirty="0"/>
+              <a:t>- </a:t>
             </a:r>
             <a:r>
               <a:rPr lang="en-US" sz="2000" dirty="0">
                 <a:hlinkClick r:id="rId12"/>
               </a:rPr>
-              <a:t>https://en.wikipedia.org/wiki/Java_Database_Connectivity</a:t>
-            </a:r>
-            <a:endParaRPr lang="en-US" sz="2000" dirty="0"/>
+              <a:t>https://www.sqlitetutorial.net/sqlite-trigger/</a:t>
+            </a:r>
+            <a:r>
+              <a:rPr lang="en-US" sz="2000" dirty="0"/>
+              <a:t> </a:t>
+            </a:r>
           </a:p>
           <a:p>
             <a:pPr marL="285750" indent="-285750">
@@ -45298,13 +49625,13 @@
             </a:pPr>
             <a:r>
               <a:rPr lang="en-US" sz="2400" dirty="0"/>
-              <a:t>Spring Boot - </a:t>
+              <a:t>JDBC Wiki - </a:t>
             </a:r>
             <a:r>
               <a:rPr lang="en-US" sz="2000" dirty="0">
                 <a:hlinkClick r:id="rId13"/>
               </a:rPr>
-              <a:t>https://spring.io/projects/spring-boot</a:t>
+              <a:t>https://en.wikipedia.org/wiki/Java_Database_Connectivity</a:t>
             </a:r>
             <a:endParaRPr lang="en-US" sz="2000" dirty="0"/>
           </a:p>
@@ -45315,11 +49642,28 @@
             </a:pPr>
             <a:r>
               <a:rPr lang="en-US" sz="2400" dirty="0"/>
-              <a:t>Spring Boot with JPA - </a:t>
+              <a:t>Spring Boot - </a:t>
             </a:r>
             <a:r>
               <a:rPr lang="en-US" sz="2000" dirty="0">
                 <a:hlinkClick r:id="rId14"/>
+              </a:rPr>
+              <a:t>https://spring.io/projects/spring-boot</a:t>
+            </a:r>
+            <a:endParaRPr lang="en-US" sz="2000" dirty="0"/>
+          </a:p>
+          <a:p>
+            <a:pPr marL="285750" indent="-285750">
+              <a:buFont typeface="Arial" panose="020B0604020202020204" pitchFamily="34" charset="0"/>
+              <a:buChar char="•"/>
+            </a:pPr>
+            <a:r>
+              <a:rPr lang="en-US" sz="2400" dirty="0"/>
+              <a:t>Spring Boot with JPA - </a:t>
+            </a:r>
+            <a:r>
+              <a:rPr lang="en-US" sz="2000" dirty="0">
+                <a:hlinkClick r:id="rId15"/>
               </a:rPr>
               <a:t>https://www.javatpoint.com/spring-boot-jpa</a:t>
             </a:r>
@@ -45355,7 +49699,7 @@
 </p:sld>
 </file>
 
-<file path=ppt/slides/slide33.xml><?xml version="1.0" encoding="utf-8"?>
+<file path=ppt/slides/slide36.xml><?xml version="1.0" encoding="utf-8"?>
 <p:sld xmlns:a="http://schemas.openxmlformats.org/drawingml/2006/main" xmlns:r="http://schemas.openxmlformats.org/officeDocument/2006/relationships" xmlns:p="http://schemas.openxmlformats.org/presentationml/2006/main">
   <p:cSld>
     <p:bg>
@@ -51685,12 +56029,12 @@
 </file>
 
 <file path=customXml/item1.xml><?xml version="1.0" encoding="utf-8"?>
-<?mso-contentType ?>
-<FormTemplates xmlns="http://schemas.microsoft.com/sharepoint/v3/contenttype/forms">
-  <Display>DocumentLibraryForm</Display>
-  <Edit>DocumentLibraryForm</Edit>
-  <New>DocumentLibraryForm</New>
-</FormTemplates>
+<p:properties xmlns:p="http://schemas.microsoft.com/office/2006/metadata/properties" xmlns:xsi="http://www.w3.org/2001/XMLSchema-instance" xmlns:pc="http://schemas.microsoft.com/office/infopath/2007/PartnerControls">
+  <documentManagement>
+    <Status xmlns="71af3243-3dd4-4a8d-8c0d-dd76da1f02a5">Not started</Status>
+    <MediaServiceKeyPoints xmlns="71af3243-3dd4-4a8d-8c0d-dd76da1f02a5" xsi:nil="true"/>
+  </documentManagement>
+</p:properties>
 </file>
 
 <file path=customXml/item2.xml><?xml version="1.0" encoding="utf-8"?>
@@ -51915,18 +56259,20 @@
 </file>
 
 <file path=customXml/item3.xml><?xml version="1.0" encoding="utf-8"?>
-<p:properties xmlns:p="http://schemas.microsoft.com/office/2006/metadata/properties" xmlns:xsi="http://www.w3.org/2001/XMLSchema-instance" xmlns:pc="http://schemas.microsoft.com/office/infopath/2007/PartnerControls">
-  <documentManagement>
-    <Status xmlns="71af3243-3dd4-4a8d-8c0d-dd76da1f02a5">Not started</Status>
-    <MediaServiceKeyPoints xmlns="71af3243-3dd4-4a8d-8c0d-dd76da1f02a5" xsi:nil="true"/>
-  </documentManagement>
-</p:properties>
+<?mso-contentType ?>
+<FormTemplates xmlns="http://schemas.microsoft.com/sharepoint/v3/contenttype/forms">
+  <Display>DocumentLibraryForm</Display>
+  <Edit>DocumentLibraryForm</Edit>
+  <New>DocumentLibraryForm</New>
+</FormTemplates>
 </file>
 
 <file path=customXml/itemProps1.xml><?xml version="1.0" encoding="utf-8"?>
-<ds:datastoreItem xmlns:ds="http://schemas.openxmlformats.org/officeDocument/2006/customXml" ds:itemID="{2E5ECA37-C458-4BA2-A090-D7A19E07B434}">
+<ds:datastoreItem xmlns:ds="http://schemas.openxmlformats.org/officeDocument/2006/customXml" ds:itemID="{84F503EC-3FFF-4193-A86F-39150E2BAC75}">
   <ds:schemaRefs>
-    <ds:schemaRef ds:uri="http://schemas.microsoft.com/sharepoint/v3/contenttype/forms"/>
+    <ds:schemaRef ds:uri="http://schemas.microsoft.com/office/2006/metadata/properties"/>
+    <ds:schemaRef ds:uri="http://schemas.microsoft.com/office/infopath/2007/PartnerControls"/>
+    <ds:schemaRef ds:uri="71af3243-3dd4-4a8d-8c0d-dd76da1f02a5"/>
   </ds:schemaRefs>
 </ds:datastoreItem>
 </file>
@@ -51951,11 +56297,9 @@
 </file>
 
 <file path=customXml/itemProps3.xml><?xml version="1.0" encoding="utf-8"?>
-<ds:datastoreItem xmlns:ds="http://schemas.openxmlformats.org/officeDocument/2006/customXml" ds:itemID="{84F503EC-3FFF-4193-A86F-39150E2BAC75}">
+<ds:datastoreItem xmlns:ds="http://schemas.openxmlformats.org/officeDocument/2006/customXml" ds:itemID="{2E5ECA37-C458-4BA2-A090-D7A19E07B434}">
   <ds:schemaRefs>
-    <ds:schemaRef ds:uri="http://schemas.microsoft.com/office/2006/metadata/properties"/>
-    <ds:schemaRef ds:uri="http://schemas.microsoft.com/office/infopath/2007/PartnerControls"/>
-    <ds:schemaRef ds:uri="71af3243-3dd4-4a8d-8c0d-dd76da1f02a5"/>
+    <ds:schemaRef ds:uri="http://schemas.microsoft.com/sharepoint/v3/contenttype/forms"/>
   </ds:schemaRefs>
 </ds:datastoreItem>
 </file>